--- a/PPTs/07 State Management.pptx
+++ b/PPTs/07 State Management.pptx
@@ -5,13 +5,21 @@
     <p:sldMasterId id="2147483672" r:id="rId1"/>
   </p:sldMasterIdLst>
   <p:notesMasterIdLst>
-    <p:notesMasterId r:id="rId6"/>
+    <p:notesMasterId r:id="rId14"/>
   </p:notesMasterIdLst>
   <p:sldIdLst>
     <p:sldId id="256" r:id="rId2"/>
     <p:sldId id="343" r:id="rId3"/>
     <p:sldId id="344" r:id="rId4"/>
-    <p:sldId id="341" r:id="rId5"/>
+    <p:sldId id="345" r:id="rId5"/>
+    <p:sldId id="346" r:id="rId6"/>
+    <p:sldId id="347" r:id="rId7"/>
+    <p:sldId id="348" r:id="rId8"/>
+    <p:sldId id="349" r:id="rId9"/>
+    <p:sldId id="350" r:id="rId10"/>
+    <p:sldId id="351" r:id="rId11"/>
+    <p:sldId id="352" r:id="rId12"/>
+    <p:sldId id="341" r:id="rId13"/>
   </p:sldIdLst>
   <p:sldSz cx="9144000" cy="6858000" type="screen4x3"/>
   <p:notesSz cx="6858000" cy="9144000"/>
@@ -216,7 +224,7 @@
             <a:fld id="{4991502B-FFA8-47B9-B4E5-980CA415BAFF}" type="datetimeFigureOut">
               <a:rPr lang="en-US" smtClean="0"/>
               <a:pPr/>
-              <a:t>5/28/2017</a:t>
+              <a:t>6/2/2017</a:t>
             </a:fld>
             <a:endParaRPr lang="en-US"/>
           </a:p>
@@ -4345,6 +4353,461 @@
 </p:sld>
 </file>
 
+<file path=ppt/slides/slide10.xml><?xml version="1.0" encoding="utf-8"?>
+<p:sld xmlns:a="http://schemas.openxmlformats.org/drawingml/2006/main" xmlns:r="http://schemas.openxmlformats.org/officeDocument/2006/relationships" xmlns:p="http://schemas.openxmlformats.org/presentationml/2006/main">
+  <p:cSld>
+    <p:spTree>
+      <p:nvGrpSpPr>
+        <p:cNvPr id="1" name=""/>
+        <p:cNvGrpSpPr/>
+        <p:nvPr/>
+      </p:nvGrpSpPr>
+      <p:grpSpPr>
+        <a:xfrm>
+          <a:off x="0" y="0"/>
+          <a:ext cx="0" cy="0"/>
+          <a:chOff x="0" y="0"/>
+          <a:chExt cx="0" cy="0"/>
+        </a:xfrm>
+      </p:grpSpPr>
+      <p:sp>
+        <p:nvSpPr>
+          <p:cNvPr id="2" name="Title 1"/>
+          <p:cNvSpPr>
+            <a:spLocks noGrp="1"/>
+          </p:cNvSpPr>
+          <p:nvPr>
+            <p:ph type="title"/>
+          </p:nvPr>
+        </p:nvSpPr>
+        <p:spPr/>
+        <p:txBody>
+          <a:bodyPr/>
+          <a:lstStyle/>
+          <a:p>
+            <a:r>
+              <a:rPr lang="en-US" dirty="0"/>
+              <a:t>System wide solution ?</a:t>
+            </a:r>
+            <a:endParaRPr lang="he-IL" dirty="0"/>
+          </a:p>
+        </p:txBody>
+      </p:sp>
+      <p:sp>
+        <p:nvSpPr>
+          <p:cNvPr id="3" name="Footer Placeholder 2"/>
+          <p:cNvSpPr>
+            <a:spLocks noGrp="1"/>
+          </p:cNvSpPr>
+          <p:nvPr>
+            <p:ph type="ftr" sz="quarter" idx="11"/>
+          </p:nvPr>
+        </p:nvSpPr>
+        <p:spPr/>
+        <p:txBody>
+          <a:bodyPr/>
+          <a:lstStyle/>
+          <a:p>
+            <a:r>
+              <a:rPr lang="en-US"/>
+              <a:t>© 2016 Ori Calvo</a:t>
+            </a:r>
+            <a:endParaRPr lang="en-US" dirty="0"/>
+          </a:p>
+        </p:txBody>
+      </p:sp>
+      <p:sp>
+        <p:nvSpPr>
+          <p:cNvPr id="4" name="Slide Number Placeholder 3"/>
+          <p:cNvSpPr>
+            <a:spLocks noGrp="1"/>
+          </p:cNvSpPr>
+          <p:nvPr>
+            <p:ph type="sldNum" sz="quarter" idx="12"/>
+          </p:nvPr>
+        </p:nvSpPr>
+        <p:spPr/>
+        <p:txBody>
+          <a:bodyPr>
+            <a:normAutofit fontScale="85000" lnSpcReduction="20000"/>
+          </a:bodyPr>
+          <a:lstStyle/>
+          <a:p>
+            <a:fld id="{6EDEC3BC-0694-4586-AE63-02B4D54ABF43}" type="slidenum">
+              <a:rPr lang="en-US" smtClean="0"/>
+              <a:pPr/>
+              <a:t>10</a:t>
+            </a:fld>
+            <a:endParaRPr lang="en-US"/>
+          </a:p>
+        </p:txBody>
+      </p:sp>
+      <p:sp>
+        <p:nvSpPr>
+          <p:cNvPr id="5" name="Content Placeholder 4"/>
+          <p:cNvSpPr>
+            <a:spLocks noGrp="1"/>
+          </p:cNvSpPr>
+          <p:nvPr>
+            <p:ph sz="quarter" idx="1"/>
+          </p:nvPr>
+        </p:nvSpPr>
+        <p:spPr/>
+        <p:txBody>
+          <a:bodyPr/>
+          <a:lstStyle/>
+          <a:p>
+            <a:r>
+              <a:rPr lang="en-US" dirty="0"/>
+              <a:t>Can we apply this technique to the whole application ?</a:t>
+            </a:r>
+          </a:p>
+          <a:p>
+            <a:pPr lvl="1"/>
+            <a:r>
+              <a:rPr lang="en-US" dirty="0"/>
+              <a:t>No state inside component</a:t>
+            </a:r>
+          </a:p>
+          <a:p>
+            <a:pPr lvl="1"/>
+            <a:r>
+              <a:rPr lang="en-US" dirty="0"/>
+              <a:t>Every component delegates the work to a service</a:t>
+            </a:r>
+          </a:p>
+          <a:p>
+            <a:pPr lvl="1"/>
+            <a:r>
+              <a:rPr lang="en-US" dirty="0"/>
+              <a:t>The service is responsible for fixing all related state</a:t>
+            </a:r>
+          </a:p>
+          <a:p>
+            <a:pPr lvl="1"/>
+            <a:r>
+              <a:rPr lang="en-US" dirty="0"/>
+              <a:t>Angular is responsible for updating components through data binding</a:t>
+            </a:r>
+          </a:p>
+          <a:p>
+            <a:r>
+              <a:rPr lang="en-US" dirty="0"/>
+              <a:t>Yes we can. However …</a:t>
+            </a:r>
+            <a:endParaRPr lang="he-IL" dirty="0"/>
+          </a:p>
+        </p:txBody>
+      </p:sp>
+    </p:spTree>
+    <p:extLst>
+      <p:ext uri="{BB962C8B-B14F-4D97-AF65-F5344CB8AC3E}">
+        <p14:creationId xmlns:p14="http://schemas.microsoft.com/office/powerpoint/2010/main" val="1185428819"/>
+      </p:ext>
+    </p:extLst>
+  </p:cSld>
+  <p:clrMapOvr>
+    <a:masterClrMapping/>
+  </p:clrMapOvr>
+</p:sld>
+</file>
+
+<file path=ppt/slides/slide11.xml><?xml version="1.0" encoding="utf-8"?>
+<p:sld xmlns:a="http://schemas.openxmlformats.org/drawingml/2006/main" xmlns:r="http://schemas.openxmlformats.org/officeDocument/2006/relationships" xmlns:p="http://schemas.openxmlformats.org/presentationml/2006/main">
+  <p:cSld>
+    <p:spTree>
+      <p:nvGrpSpPr>
+        <p:cNvPr id="1" name=""/>
+        <p:cNvGrpSpPr/>
+        <p:nvPr/>
+      </p:nvGrpSpPr>
+      <p:grpSpPr>
+        <a:xfrm>
+          <a:off x="0" y="0"/>
+          <a:ext cx="0" cy="0"/>
+          <a:chOff x="0" y="0"/>
+          <a:chExt cx="0" cy="0"/>
+        </a:xfrm>
+      </p:grpSpPr>
+      <p:sp>
+        <p:nvSpPr>
+          <p:cNvPr id="2" name="Title 1"/>
+          <p:cNvSpPr>
+            <a:spLocks noGrp="1"/>
+          </p:cNvSpPr>
+          <p:nvPr>
+            <p:ph type="title"/>
+          </p:nvPr>
+        </p:nvSpPr>
+        <p:spPr/>
+        <p:txBody>
+          <a:bodyPr/>
+          <a:lstStyle/>
+          <a:p>
+            <a:r>
+              <a:rPr lang="en-US" dirty="0"/>
+              <a:t>Optimizing Change Detection</a:t>
+            </a:r>
+            <a:endParaRPr lang="he-IL" dirty="0"/>
+          </a:p>
+        </p:txBody>
+      </p:sp>
+      <p:sp>
+        <p:nvSpPr>
+          <p:cNvPr id="3" name="Footer Placeholder 2"/>
+          <p:cNvSpPr>
+            <a:spLocks noGrp="1"/>
+          </p:cNvSpPr>
+          <p:nvPr>
+            <p:ph type="ftr" sz="quarter" idx="11"/>
+          </p:nvPr>
+        </p:nvSpPr>
+        <p:spPr/>
+        <p:txBody>
+          <a:bodyPr/>
+          <a:lstStyle/>
+          <a:p>
+            <a:r>
+              <a:rPr lang="en-US"/>
+              <a:t>© 2016 Ori Calvo</a:t>
+            </a:r>
+            <a:endParaRPr lang="en-US" dirty="0"/>
+          </a:p>
+        </p:txBody>
+      </p:sp>
+      <p:sp>
+        <p:nvSpPr>
+          <p:cNvPr id="4" name="Slide Number Placeholder 3"/>
+          <p:cNvSpPr>
+            <a:spLocks noGrp="1"/>
+          </p:cNvSpPr>
+          <p:nvPr>
+            <p:ph type="sldNum" sz="quarter" idx="12"/>
+          </p:nvPr>
+        </p:nvSpPr>
+        <p:spPr/>
+        <p:txBody>
+          <a:bodyPr>
+            <a:normAutofit fontScale="85000" lnSpcReduction="20000"/>
+          </a:bodyPr>
+          <a:lstStyle/>
+          <a:p>
+            <a:fld id="{6EDEC3BC-0694-4586-AE63-02B4D54ABF43}" type="slidenum">
+              <a:rPr lang="en-US" smtClean="0"/>
+              <a:pPr/>
+              <a:t>11</a:t>
+            </a:fld>
+            <a:endParaRPr lang="en-US"/>
+          </a:p>
+        </p:txBody>
+      </p:sp>
+      <p:sp>
+        <p:nvSpPr>
+          <p:cNvPr id="5" name="Content Placeholder 4"/>
+          <p:cNvSpPr>
+            <a:spLocks noGrp="1"/>
+          </p:cNvSpPr>
+          <p:nvPr>
+            <p:ph sz="quarter" idx="1"/>
+          </p:nvPr>
+        </p:nvSpPr>
+        <p:spPr/>
+        <p:txBody>
+          <a:bodyPr/>
+          <a:lstStyle/>
+          <a:p>
+            <a:r>
+              <a:rPr lang="en-US" dirty="0"/>
+              <a:t>The previous pattern offers no optimization</a:t>
+            </a:r>
+          </a:p>
+          <a:p>
+            <a:r>
+              <a:rPr lang="en-US" dirty="0"/>
+              <a:t>A single action can change every thing</a:t>
+            </a:r>
+          </a:p>
+          <a:p>
+            <a:r>
+              <a:rPr lang="en-US" dirty="0"/>
+              <a:t>There is no easy way for Angular to understand the scope of a change</a:t>
+            </a:r>
+          </a:p>
+          <a:p>
+            <a:r>
+              <a:rPr lang="en-US" dirty="0"/>
+              <a:t>Therefore, Angular checks every component for each user/</a:t>
+            </a:r>
+            <a:r>
+              <a:rPr lang="en-US"/>
+              <a:t>async </a:t>
+            </a:r>
+            <a:r>
+              <a:rPr lang="en-US" dirty="0"/>
+              <a:t>event</a:t>
+            </a:r>
+          </a:p>
+          <a:p>
+            <a:pPr lvl="1"/>
+            <a:r>
+              <a:rPr lang="en-US" dirty="0"/>
+              <a:t>Is it really a bad idea ?</a:t>
+            </a:r>
+          </a:p>
+          <a:p>
+            <a:pPr lvl="1"/>
+            <a:r>
+              <a:rPr lang="en-US" dirty="0"/>
+              <a:t>Agular needs only a few </a:t>
+            </a:r>
+            <a:r>
+              <a:rPr lang="en-US" dirty="0" err="1"/>
+              <a:t>millseconds</a:t>
+            </a:r>
+            <a:r>
+              <a:rPr lang="en-US" dirty="0"/>
+              <a:t> (&lt;10) to check more than 10000 bindings</a:t>
+            </a:r>
+          </a:p>
+          <a:p>
+            <a:endParaRPr lang="he-IL" dirty="0"/>
+          </a:p>
+        </p:txBody>
+      </p:sp>
+    </p:spTree>
+    <p:extLst>
+      <p:ext uri="{BB962C8B-B14F-4D97-AF65-F5344CB8AC3E}">
+        <p14:creationId xmlns:p14="http://schemas.microsoft.com/office/powerpoint/2010/main" val="1902808389"/>
+      </p:ext>
+    </p:extLst>
+  </p:cSld>
+  <p:clrMapOvr>
+    <a:masterClrMapping/>
+  </p:clrMapOvr>
+</p:sld>
+</file>
+
+<file path=ppt/slides/slide12.xml><?xml version="1.0" encoding="utf-8"?>
+<p:sld xmlns:a="http://schemas.openxmlformats.org/drawingml/2006/main" xmlns:r="http://schemas.openxmlformats.org/officeDocument/2006/relationships" xmlns:p="http://schemas.openxmlformats.org/presentationml/2006/main">
+  <p:cSld>
+    <p:spTree>
+      <p:nvGrpSpPr>
+        <p:cNvPr id="1" name=""/>
+        <p:cNvGrpSpPr/>
+        <p:nvPr/>
+      </p:nvGrpSpPr>
+      <p:grpSpPr>
+        <a:xfrm>
+          <a:off x="0" y="0"/>
+          <a:ext cx="0" cy="0"/>
+          <a:chOff x="0" y="0"/>
+          <a:chExt cx="0" cy="0"/>
+        </a:xfrm>
+      </p:grpSpPr>
+      <p:sp>
+        <p:nvSpPr>
+          <p:cNvPr id="2" name="Title 1"/>
+          <p:cNvSpPr>
+            <a:spLocks noGrp="1"/>
+          </p:cNvSpPr>
+          <p:nvPr>
+            <p:ph type="title"/>
+          </p:nvPr>
+        </p:nvSpPr>
+        <p:spPr/>
+        <p:txBody>
+          <a:bodyPr/>
+          <a:lstStyle/>
+          <a:p>
+            <a:r>
+              <a:rPr lang="en-US" dirty="0"/>
+              <a:t>Summary</a:t>
+            </a:r>
+            <a:endParaRPr lang="he-IL" dirty="0"/>
+          </a:p>
+        </p:txBody>
+      </p:sp>
+      <p:sp>
+        <p:nvSpPr>
+          <p:cNvPr id="3" name="Footer Placeholder 2"/>
+          <p:cNvSpPr>
+            <a:spLocks noGrp="1"/>
+          </p:cNvSpPr>
+          <p:nvPr>
+            <p:ph type="ftr" sz="quarter" idx="11"/>
+          </p:nvPr>
+        </p:nvSpPr>
+        <p:spPr/>
+        <p:txBody>
+          <a:bodyPr/>
+          <a:lstStyle/>
+          <a:p>
+            <a:r>
+              <a:rPr lang="en-US"/>
+              <a:t>© 2016 Ori Calvo</a:t>
+            </a:r>
+            <a:endParaRPr lang="en-US" dirty="0"/>
+          </a:p>
+        </p:txBody>
+      </p:sp>
+      <p:sp>
+        <p:nvSpPr>
+          <p:cNvPr id="4" name="Slide Number Placeholder 3"/>
+          <p:cNvSpPr>
+            <a:spLocks noGrp="1"/>
+          </p:cNvSpPr>
+          <p:nvPr>
+            <p:ph type="sldNum" sz="quarter" idx="12"/>
+          </p:nvPr>
+        </p:nvSpPr>
+        <p:spPr/>
+        <p:txBody>
+          <a:bodyPr>
+            <a:normAutofit fontScale="85000" lnSpcReduction="20000"/>
+          </a:bodyPr>
+          <a:lstStyle/>
+          <a:p>
+            <a:fld id="{6EDEC3BC-0694-4586-AE63-02B4D54ABF43}" type="slidenum">
+              <a:rPr lang="en-US" smtClean="0"/>
+              <a:pPr/>
+              <a:t>12</a:t>
+            </a:fld>
+            <a:endParaRPr lang="en-US"/>
+          </a:p>
+        </p:txBody>
+      </p:sp>
+      <p:sp>
+        <p:nvSpPr>
+          <p:cNvPr id="5" name="Content Placeholder 4"/>
+          <p:cNvSpPr>
+            <a:spLocks noGrp="1"/>
+          </p:cNvSpPr>
+          <p:nvPr>
+            <p:ph sz="quarter" idx="1"/>
+          </p:nvPr>
+        </p:nvSpPr>
+        <p:spPr/>
+        <p:txBody>
+          <a:bodyPr/>
+          <a:lstStyle/>
+          <a:p>
+            <a:endParaRPr lang="he-IL" dirty="0"/>
+          </a:p>
+        </p:txBody>
+      </p:sp>
+    </p:spTree>
+    <p:extLst>
+      <p:ext uri="{BB962C8B-B14F-4D97-AF65-F5344CB8AC3E}">
+        <p14:creationId xmlns:p14="http://schemas.microsoft.com/office/powerpoint/2010/main" val="3339692490"/>
+      </p:ext>
+    </p:extLst>
+  </p:cSld>
+  <p:clrMapOvr>
+    <a:masterClrMapping/>
+  </p:clrMapOvr>
+</p:sld>
+</file>
+
 <file path=ppt/slides/slide2.xml><?xml version="1.0" encoding="utf-8"?>
 <p:sld xmlns:a="http://schemas.openxmlformats.org/drawingml/2006/main" xmlns:r="http://schemas.openxmlformats.org/officeDocument/2006/relationships" xmlns:p="http://schemas.openxmlformats.org/presentationml/2006/main">
   <p:cSld>
@@ -4447,7 +4910,7 @@
         <p:spPr/>
         <p:txBody>
           <a:bodyPr>
-            <a:normAutofit/>
+            <a:normAutofit lnSpcReduction="10000"/>
           </a:bodyPr>
           <a:lstStyle/>
           <a:p>
@@ -4477,7 +4940,19 @@
           <a:p>
             <a:r>
               <a:rPr lang="en-US" dirty="0"/>
-              <a:t>Errors are displayed to the user and state is valid</a:t>
+              <a:t>State is atomic</a:t>
+            </a:r>
+          </a:p>
+          <a:p>
+            <a:r>
+              <a:rPr lang="en-US" dirty="0"/>
+              <a:t>State is valid even in the case of errors</a:t>
+            </a:r>
+          </a:p>
+          <a:p>
+            <a:r>
+              <a:rPr lang="en-US" dirty="0"/>
+              <a:t>Components react to change</a:t>
             </a:r>
           </a:p>
           <a:p>
@@ -4613,7 +5088,7 @@
           <a:p>
             <a:r>
               <a:rPr lang="en-US" dirty="0"/>
-              <a:t>A component which display a list of contact</a:t>
+              <a:t>A component which display a list of contacts</a:t>
             </a:r>
           </a:p>
           <a:p>
@@ -4627,10 +5102,53 @@
               <a:rPr lang="en-US" dirty="0"/>
               <a:t>Status component which displays the number of selected contacts and the total number </a:t>
             </a:r>
+          </a:p>
+          <a:p>
+            <a:r>
+              <a:rPr lang="en-US" dirty="0"/>
+              <a:t>Selecting/unselecting component effects the status</a:t>
+            </a:r>
+          </a:p>
+          <a:p>
+            <a:r>
+              <a:rPr lang="en-US" dirty="0"/>
+              <a:t>The contact list component should be unaware of the status component</a:t>
+            </a:r>
             <a:endParaRPr lang="he-IL" dirty="0"/>
           </a:p>
         </p:txBody>
       </p:sp>
+      <p:pic>
+        <p:nvPicPr>
+          <p:cNvPr id="6" name="Picture 5"/>
+          <p:cNvPicPr>
+            <a:picLocks noChangeAspect="1"/>
+          </p:cNvPicPr>
+          <p:nvPr/>
+        </p:nvPicPr>
+        <p:blipFill>
+          <a:blip r:embed="rId2"/>
+          <a:stretch>
+            <a:fillRect/>
+          </a:stretch>
+        </p:blipFill>
+        <p:spPr>
+          <a:xfrm>
+            <a:off x="5796136" y="4869160"/>
+            <a:ext cx="1281488" cy="1698129"/>
+          </a:xfrm>
+          <a:prstGeom prst="rect">
+            <a:avLst/>
+          </a:prstGeom>
+          <a:effectLst>
+            <a:outerShdw blurRad="63500" sx="102000" sy="102000" algn="ctr" rotWithShape="0">
+              <a:prstClr val="black">
+                <a:alpha val="40000"/>
+              </a:prstClr>
+            </a:outerShdw>
+          </a:effectLst>
+        </p:spPr>
+      </p:pic>
     </p:spTree>
     <p:extLst>
       <p:ext uri="{BB962C8B-B14F-4D97-AF65-F5344CB8AC3E}">
@@ -4678,7 +5196,7 @@
           <a:p>
             <a:r>
               <a:rPr lang="en-US" dirty="0"/>
-              <a:t>Summary</a:t>
+              <a:t>Solution 1 – Mediator</a:t>
             </a:r>
             <a:endParaRPr lang="he-IL" dirty="0"/>
           </a:p>
@@ -4748,6 +5266,22 @@
           <a:bodyPr/>
           <a:lstStyle/>
           <a:p>
+            <a:r>
+              <a:rPr lang="en-US" dirty="0"/>
+              <a:t>Use the parent component to manage the interaction between siblings</a:t>
+            </a:r>
+          </a:p>
+          <a:p>
+            <a:r>
+              <a:rPr lang="en-US" dirty="0"/>
+              <a:t>The contact-list component raises an event</a:t>
+            </a:r>
+          </a:p>
+          <a:p>
+            <a:r>
+              <a:rPr lang="en-US" dirty="0"/>
+              <a:t>The parent handles the event and updates internal state which is bound to the status component</a:t>
+            </a:r>
             <a:endParaRPr lang="he-IL" dirty="0"/>
           </a:p>
         </p:txBody>
@@ -4755,7 +5289,3092 @@
     </p:spTree>
     <p:extLst>
       <p:ext uri="{BB962C8B-B14F-4D97-AF65-F5344CB8AC3E}">
-        <p14:creationId xmlns:p14="http://schemas.microsoft.com/office/powerpoint/2010/main" val="3339692490"/>
+        <p14:creationId xmlns:p14="http://schemas.microsoft.com/office/powerpoint/2010/main" val="396019884"/>
+      </p:ext>
+    </p:extLst>
+  </p:cSld>
+  <p:clrMapOvr>
+    <a:masterClrMapping/>
+  </p:clrMapOvr>
+</p:sld>
+</file>
+
+<file path=ppt/slides/slide5.xml><?xml version="1.0" encoding="utf-8"?>
+<p:sld xmlns:a="http://schemas.openxmlformats.org/drawingml/2006/main" xmlns:r="http://schemas.openxmlformats.org/officeDocument/2006/relationships" xmlns:p="http://schemas.openxmlformats.org/presentationml/2006/main">
+  <p:cSld>
+    <p:spTree>
+      <p:nvGrpSpPr>
+        <p:cNvPr id="1" name=""/>
+        <p:cNvGrpSpPr/>
+        <p:nvPr/>
+      </p:nvGrpSpPr>
+      <p:grpSpPr>
+        <a:xfrm>
+          <a:off x="0" y="0"/>
+          <a:ext cx="0" cy="0"/>
+          <a:chOff x="0" y="0"/>
+          <a:chExt cx="0" cy="0"/>
+        </a:xfrm>
+      </p:grpSpPr>
+      <p:sp>
+        <p:nvSpPr>
+          <p:cNvPr id="2" name="Title 1"/>
+          <p:cNvSpPr>
+            <a:spLocks noGrp="1"/>
+          </p:cNvSpPr>
+          <p:nvPr>
+            <p:ph type="title"/>
+          </p:nvPr>
+        </p:nvSpPr>
+        <p:spPr/>
+        <p:txBody>
+          <a:bodyPr/>
+          <a:lstStyle/>
+          <a:p>
+            <a:r>
+              <a:rPr lang="en-US" dirty="0"/>
+              <a:t>Solution 1- Component Mediator</a:t>
+            </a:r>
+            <a:endParaRPr lang="he-IL" dirty="0"/>
+          </a:p>
+        </p:txBody>
+      </p:sp>
+      <p:sp>
+        <p:nvSpPr>
+          <p:cNvPr id="3" name="Footer Placeholder 2"/>
+          <p:cNvSpPr>
+            <a:spLocks noGrp="1"/>
+          </p:cNvSpPr>
+          <p:nvPr>
+            <p:ph type="ftr" sz="quarter" idx="11"/>
+          </p:nvPr>
+        </p:nvSpPr>
+        <p:spPr/>
+        <p:txBody>
+          <a:bodyPr/>
+          <a:lstStyle/>
+          <a:p>
+            <a:r>
+              <a:rPr lang="en-US"/>
+              <a:t>© 2016 Ori Calvo</a:t>
+            </a:r>
+            <a:endParaRPr lang="en-US" dirty="0"/>
+          </a:p>
+        </p:txBody>
+      </p:sp>
+      <p:sp>
+        <p:nvSpPr>
+          <p:cNvPr id="4" name="Slide Number Placeholder 3"/>
+          <p:cNvSpPr>
+            <a:spLocks noGrp="1"/>
+          </p:cNvSpPr>
+          <p:nvPr>
+            <p:ph type="sldNum" sz="quarter" idx="12"/>
+          </p:nvPr>
+        </p:nvSpPr>
+        <p:spPr/>
+        <p:txBody>
+          <a:bodyPr>
+            <a:normAutofit fontScale="85000" lnSpcReduction="20000"/>
+          </a:bodyPr>
+          <a:lstStyle/>
+          <a:p>
+            <a:fld id="{6EDEC3BC-0694-4586-AE63-02B4D54ABF43}" type="slidenum">
+              <a:rPr lang="en-US" smtClean="0"/>
+              <a:pPr/>
+              <a:t>5</a:t>
+            </a:fld>
+            <a:endParaRPr lang="en-US"/>
+          </a:p>
+        </p:txBody>
+      </p:sp>
+      <p:sp>
+        <p:nvSpPr>
+          <p:cNvPr id="6" name="Rectangle 5"/>
+          <p:cNvSpPr/>
+          <p:nvPr/>
+        </p:nvSpPr>
+        <p:spPr>
+          <a:xfrm>
+            <a:off x="1088948" y="1772816"/>
+            <a:ext cx="7200800" cy="2031325"/>
+          </a:xfrm>
+          <a:prstGeom prst="rect">
+            <a:avLst/>
+          </a:prstGeom>
+          <a:solidFill>
+            <a:schemeClr val="accent1">
+              <a:lumMod val="60000"/>
+              <a:lumOff val="40000"/>
+            </a:schemeClr>
+          </a:solidFill>
+        </p:spPr>
+        <p:txBody>
+          <a:bodyPr wrap="square">
+            <a:spAutoFit/>
+          </a:bodyPr>
+          <a:lstStyle/>
+          <a:p>
+            <a:r>
+              <a:rPr lang="en-US" sz="1400" dirty="0">
+                <a:solidFill>
+                  <a:srgbClr val="000000"/>
+                </a:solidFill>
+                <a:latin typeface="Courier New" panose="02070309020205020404" pitchFamily="49" charset="0"/>
+                <a:ea typeface="Times New Roman" panose="02020603050405020304" pitchFamily="18" charset="0"/>
+              </a:rPr>
+              <a:t>&lt;</a:t>
+            </a:r>
+            <a:r>
+              <a:rPr lang="en-US" sz="1400" b="1" dirty="0">
+                <a:solidFill>
+                  <a:srgbClr val="000080"/>
+                </a:solidFill>
+                <a:latin typeface="Courier New" panose="02070309020205020404" pitchFamily="49" charset="0"/>
+                <a:ea typeface="Times New Roman" panose="02020603050405020304" pitchFamily="18" charset="0"/>
+              </a:rPr>
+              <a:t>h1</a:t>
+            </a:r>
+            <a:r>
+              <a:rPr lang="en-US" sz="1400" dirty="0">
+                <a:solidFill>
+                  <a:srgbClr val="000000"/>
+                </a:solidFill>
+                <a:latin typeface="Courier New" panose="02070309020205020404" pitchFamily="49" charset="0"/>
+                <a:ea typeface="Times New Roman" panose="02020603050405020304" pitchFamily="18" charset="0"/>
+              </a:rPr>
+              <a:t>&gt;Contact List&lt;/</a:t>
+            </a:r>
+            <a:r>
+              <a:rPr lang="en-US" sz="1400" b="1" dirty="0">
+                <a:solidFill>
+                  <a:srgbClr val="000080"/>
+                </a:solidFill>
+                <a:latin typeface="Courier New" panose="02070309020205020404" pitchFamily="49" charset="0"/>
+                <a:ea typeface="Times New Roman" panose="02020603050405020304" pitchFamily="18" charset="0"/>
+              </a:rPr>
+              <a:t>h1</a:t>
+            </a:r>
+            <a:r>
+              <a:rPr lang="en-US" sz="1400" dirty="0">
+                <a:solidFill>
+                  <a:srgbClr val="000000"/>
+                </a:solidFill>
+                <a:latin typeface="Courier New" panose="02070309020205020404" pitchFamily="49" charset="0"/>
+                <a:ea typeface="Times New Roman" panose="02020603050405020304" pitchFamily="18" charset="0"/>
+              </a:rPr>
+              <a:t>&gt;</a:t>
+            </a:r>
+            <a:br>
+              <a:rPr lang="en-US" sz="1400" dirty="0">
+                <a:solidFill>
+                  <a:srgbClr val="000000"/>
+                </a:solidFill>
+                <a:latin typeface="Courier New" panose="02070309020205020404" pitchFamily="49" charset="0"/>
+                <a:ea typeface="Times New Roman" panose="02020603050405020304" pitchFamily="18" charset="0"/>
+              </a:rPr>
+            </a:br>
+            <a:br>
+              <a:rPr lang="en-US" sz="1400" dirty="0">
+                <a:solidFill>
+                  <a:srgbClr val="000000"/>
+                </a:solidFill>
+                <a:latin typeface="Courier New" panose="02070309020205020404" pitchFamily="49" charset="0"/>
+                <a:ea typeface="Times New Roman" panose="02020603050405020304" pitchFamily="18" charset="0"/>
+              </a:rPr>
+            </a:br>
+            <a:r>
+              <a:rPr lang="en-US" sz="1400" dirty="0">
+                <a:solidFill>
+                  <a:srgbClr val="000000"/>
+                </a:solidFill>
+                <a:latin typeface="Courier New" panose="02070309020205020404" pitchFamily="49" charset="0"/>
+                <a:ea typeface="Times New Roman" panose="02020603050405020304" pitchFamily="18" charset="0"/>
+              </a:rPr>
+              <a:t>&lt;</a:t>
+            </a:r>
+            <a:r>
+              <a:rPr lang="en-US" sz="1400" b="1" dirty="0">
+                <a:solidFill>
+                  <a:srgbClr val="000080"/>
+                </a:solidFill>
+                <a:latin typeface="Courier New" panose="02070309020205020404" pitchFamily="49" charset="0"/>
+                <a:ea typeface="Times New Roman" panose="02020603050405020304" pitchFamily="18" charset="0"/>
+              </a:rPr>
+              <a:t>my-contact-list </a:t>
+            </a:r>
+            <a:r>
+              <a:rPr lang="en-US" sz="1400" b="1" dirty="0">
+                <a:solidFill>
+                  <a:srgbClr val="0000FF"/>
+                </a:solidFill>
+                <a:latin typeface="Courier New" panose="02070309020205020404" pitchFamily="49" charset="0"/>
+                <a:ea typeface="Times New Roman" panose="02020603050405020304" pitchFamily="18" charset="0"/>
+              </a:rPr>
+              <a:t>[contacts]=</a:t>
+            </a:r>
+            <a:r>
+              <a:rPr lang="en-US" sz="1400" b="1" dirty="0">
+                <a:solidFill>
+                  <a:srgbClr val="008000"/>
+                </a:solidFill>
+                <a:latin typeface="Courier New" panose="02070309020205020404" pitchFamily="49" charset="0"/>
+                <a:ea typeface="Times New Roman" panose="02020603050405020304" pitchFamily="18" charset="0"/>
+              </a:rPr>
+              <a:t>"</a:t>
+            </a:r>
+            <a:r>
+              <a:rPr lang="en-US" sz="1400" b="1" dirty="0">
+                <a:solidFill>
+                  <a:srgbClr val="660E7A"/>
+                </a:solidFill>
+                <a:latin typeface="Courier New" panose="02070309020205020404" pitchFamily="49" charset="0"/>
+                <a:ea typeface="Times New Roman" panose="02020603050405020304" pitchFamily="18" charset="0"/>
+              </a:rPr>
+              <a:t>contacts</a:t>
+            </a:r>
+            <a:r>
+              <a:rPr lang="en-US" sz="1400" b="1" dirty="0">
+                <a:solidFill>
+                  <a:srgbClr val="008000"/>
+                </a:solidFill>
+                <a:latin typeface="Courier New" panose="02070309020205020404" pitchFamily="49" charset="0"/>
+                <a:ea typeface="Times New Roman" panose="02020603050405020304" pitchFamily="18" charset="0"/>
+              </a:rPr>
+              <a:t>" </a:t>
+            </a:r>
+            <a:br>
+              <a:rPr lang="en-US" sz="1400" b="1" dirty="0">
+                <a:solidFill>
+                  <a:srgbClr val="008000"/>
+                </a:solidFill>
+                <a:latin typeface="Courier New" panose="02070309020205020404" pitchFamily="49" charset="0"/>
+                <a:ea typeface="Times New Roman" panose="02020603050405020304" pitchFamily="18" charset="0"/>
+              </a:rPr>
+            </a:br>
+            <a:r>
+              <a:rPr lang="en-US" sz="1400" b="1" dirty="0">
+                <a:solidFill>
+                  <a:srgbClr val="008000"/>
+                </a:solidFill>
+                <a:latin typeface="Courier New" panose="02070309020205020404" pitchFamily="49" charset="0"/>
+                <a:ea typeface="Times New Roman" panose="02020603050405020304" pitchFamily="18" charset="0"/>
+              </a:rPr>
+              <a:t>                 </a:t>
+            </a:r>
+            <a:r>
+              <a:rPr lang="en-US" sz="1400" b="1" dirty="0">
+                <a:solidFill>
+                  <a:srgbClr val="0000FF"/>
+                </a:solidFill>
+                <a:latin typeface="Courier New" panose="02070309020205020404" pitchFamily="49" charset="0"/>
+                <a:ea typeface="Times New Roman" panose="02020603050405020304" pitchFamily="18" charset="0"/>
+              </a:rPr>
+              <a:t>(</a:t>
+            </a:r>
+            <a:r>
+              <a:rPr lang="en-US" sz="1400" b="1" dirty="0" err="1">
+                <a:solidFill>
+                  <a:srgbClr val="0000FF"/>
+                </a:solidFill>
+                <a:latin typeface="Courier New" panose="02070309020205020404" pitchFamily="49" charset="0"/>
+                <a:ea typeface="Times New Roman" panose="02020603050405020304" pitchFamily="18" charset="0"/>
+              </a:rPr>
+              <a:t>selectionChanged</a:t>
+            </a:r>
+            <a:r>
+              <a:rPr lang="en-US" sz="1400" b="1" dirty="0">
+                <a:solidFill>
+                  <a:srgbClr val="0000FF"/>
+                </a:solidFill>
+                <a:latin typeface="Courier New" panose="02070309020205020404" pitchFamily="49" charset="0"/>
+                <a:ea typeface="Times New Roman" panose="02020603050405020304" pitchFamily="18" charset="0"/>
+              </a:rPr>
+              <a:t>)=</a:t>
+            </a:r>
+            <a:r>
+              <a:rPr lang="en-US" sz="1400" b="1" dirty="0">
+                <a:solidFill>
+                  <a:srgbClr val="008000"/>
+                </a:solidFill>
+                <a:latin typeface="Courier New" panose="02070309020205020404" pitchFamily="49" charset="0"/>
+                <a:ea typeface="Times New Roman" panose="02020603050405020304" pitchFamily="18" charset="0"/>
+              </a:rPr>
+              <a:t>"</a:t>
+            </a:r>
+            <a:r>
+              <a:rPr lang="en-US" sz="1400" b="1" dirty="0" err="1">
+                <a:solidFill>
+                  <a:srgbClr val="7A7A43"/>
+                </a:solidFill>
+                <a:latin typeface="Courier New" panose="02070309020205020404" pitchFamily="49" charset="0"/>
+                <a:ea typeface="Times New Roman" panose="02020603050405020304" pitchFamily="18" charset="0"/>
+              </a:rPr>
+              <a:t>onSelectionChanged</a:t>
+            </a:r>
+            <a:r>
+              <a:rPr lang="en-US" sz="1400" b="1" dirty="0">
+                <a:solidFill>
+                  <a:srgbClr val="008000"/>
+                </a:solidFill>
+                <a:latin typeface="Courier New" panose="02070309020205020404" pitchFamily="49" charset="0"/>
+                <a:ea typeface="Times New Roman" panose="02020603050405020304" pitchFamily="18" charset="0"/>
+              </a:rPr>
+              <a:t>(</a:t>
+            </a:r>
+            <a:r>
+              <a:rPr lang="en-US" sz="1400" b="1" i="1" dirty="0">
+                <a:solidFill>
+                  <a:srgbClr val="660E7A"/>
+                </a:solidFill>
+                <a:latin typeface="Courier New" panose="02070309020205020404" pitchFamily="49" charset="0"/>
+                <a:ea typeface="Times New Roman" panose="02020603050405020304" pitchFamily="18" charset="0"/>
+              </a:rPr>
+              <a:t>$event</a:t>
+            </a:r>
+            <a:r>
+              <a:rPr lang="en-US" sz="1400" b="1" dirty="0">
+                <a:solidFill>
+                  <a:srgbClr val="008000"/>
+                </a:solidFill>
+                <a:latin typeface="Courier New" panose="02070309020205020404" pitchFamily="49" charset="0"/>
+                <a:ea typeface="Times New Roman" panose="02020603050405020304" pitchFamily="18" charset="0"/>
+              </a:rPr>
+              <a:t>)"</a:t>
+            </a:r>
+            <a:r>
+              <a:rPr lang="en-US" sz="1400" dirty="0">
+                <a:solidFill>
+                  <a:srgbClr val="000000"/>
+                </a:solidFill>
+                <a:latin typeface="Courier New" panose="02070309020205020404" pitchFamily="49" charset="0"/>
+                <a:ea typeface="Times New Roman" panose="02020603050405020304" pitchFamily="18" charset="0"/>
+              </a:rPr>
+              <a:t>&gt;</a:t>
+            </a:r>
+            <a:br>
+              <a:rPr lang="en-US" sz="1400" dirty="0">
+                <a:solidFill>
+                  <a:srgbClr val="000000"/>
+                </a:solidFill>
+                <a:latin typeface="Courier New" panose="02070309020205020404" pitchFamily="49" charset="0"/>
+                <a:ea typeface="Times New Roman" panose="02020603050405020304" pitchFamily="18" charset="0"/>
+              </a:rPr>
+            </a:br>
+            <a:r>
+              <a:rPr lang="en-US" sz="1400" dirty="0">
+                <a:solidFill>
+                  <a:srgbClr val="000000"/>
+                </a:solidFill>
+                <a:latin typeface="Courier New" panose="02070309020205020404" pitchFamily="49" charset="0"/>
+                <a:ea typeface="Times New Roman" panose="02020603050405020304" pitchFamily="18" charset="0"/>
+              </a:rPr>
+              <a:t>&lt;/</a:t>
+            </a:r>
+            <a:r>
+              <a:rPr lang="en-US" sz="1400" b="1" dirty="0">
+                <a:solidFill>
+                  <a:srgbClr val="000080"/>
+                </a:solidFill>
+                <a:latin typeface="Courier New" panose="02070309020205020404" pitchFamily="49" charset="0"/>
+                <a:ea typeface="Times New Roman" panose="02020603050405020304" pitchFamily="18" charset="0"/>
+              </a:rPr>
+              <a:t>my-contact-list</a:t>
+            </a:r>
+            <a:r>
+              <a:rPr lang="en-US" sz="1400" dirty="0">
+                <a:solidFill>
+                  <a:srgbClr val="000000"/>
+                </a:solidFill>
+                <a:latin typeface="Courier New" panose="02070309020205020404" pitchFamily="49" charset="0"/>
+                <a:ea typeface="Times New Roman" panose="02020603050405020304" pitchFamily="18" charset="0"/>
+              </a:rPr>
+              <a:t>&gt;</a:t>
+            </a:r>
+            <a:br>
+              <a:rPr lang="en-US" sz="1400" dirty="0">
+                <a:solidFill>
+                  <a:srgbClr val="000000"/>
+                </a:solidFill>
+                <a:latin typeface="Courier New" panose="02070309020205020404" pitchFamily="49" charset="0"/>
+                <a:ea typeface="Times New Roman" panose="02020603050405020304" pitchFamily="18" charset="0"/>
+              </a:rPr>
+            </a:br>
+            <a:br>
+              <a:rPr lang="en-US" sz="1400" dirty="0">
+                <a:solidFill>
+                  <a:srgbClr val="000000"/>
+                </a:solidFill>
+                <a:latin typeface="Courier New" panose="02070309020205020404" pitchFamily="49" charset="0"/>
+                <a:ea typeface="Times New Roman" panose="02020603050405020304" pitchFamily="18" charset="0"/>
+              </a:rPr>
+            </a:br>
+            <a:r>
+              <a:rPr lang="en-US" sz="1400" dirty="0">
+                <a:solidFill>
+                  <a:srgbClr val="000000"/>
+                </a:solidFill>
+                <a:latin typeface="Courier New" panose="02070309020205020404" pitchFamily="49" charset="0"/>
+                <a:ea typeface="Times New Roman" panose="02020603050405020304" pitchFamily="18" charset="0"/>
+              </a:rPr>
+              <a:t>&lt;</a:t>
+            </a:r>
+            <a:r>
+              <a:rPr lang="en-US" sz="1400" b="1" dirty="0">
+                <a:solidFill>
+                  <a:srgbClr val="000080"/>
+                </a:solidFill>
+                <a:latin typeface="Courier New" panose="02070309020205020404" pitchFamily="49" charset="0"/>
+                <a:ea typeface="Times New Roman" panose="02020603050405020304" pitchFamily="18" charset="0"/>
+              </a:rPr>
+              <a:t>my-status </a:t>
+            </a:r>
+            <a:r>
+              <a:rPr lang="en-US" sz="1400" b="1" dirty="0">
+                <a:solidFill>
+                  <a:srgbClr val="0000FF"/>
+                </a:solidFill>
+                <a:latin typeface="Courier New" panose="02070309020205020404" pitchFamily="49" charset="0"/>
+                <a:ea typeface="Times New Roman" panose="02020603050405020304" pitchFamily="18" charset="0"/>
+              </a:rPr>
+              <a:t>[all]=</a:t>
+            </a:r>
+            <a:r>
+              <a:rPr lang="en-US" sz="1400" b="1" dirty="0">
+                <a:solidFill>
+                  <a:srgbClr val="008000"/>
+                </a:solidFill>
+                <a:latin typeface="Courier New" panose="02070309020205020404" pitchFamily="49" charset="0"/>
+                <a:ea typeface="Times New Roman" panose="02020603050405020304" pitchFamily="18" charset="0"/>
+              </a:rPr>
+              <a:t>"</a:t>
+            </a:r>
+            <a:r>
+              <a:rPr lang="en-US" sz="1400" b="1" dirty="0">
+                <a:solidFill>
+                  <a:srgbClr val="660E7A"/>
+                </a:solidFill>
+                <a:latin typeface="Courier New" panose="02070309020205020404" pitchFamily="49" charset="0"/>
+                <a:ea typeface="Times New Roman" panose="02020603050405020304" pitchFamily="18" charset="0"/>
+              </a:rPr>
+              <a:t>contacts</a:t>
+            </a:r>
+            <a:r>
+              <a:rPr lang="en-US" sz="1400" b="1" dirty="0">
+                <a:solidFill>
+                  <a:srgbClr val="008000"/>
+                </a:solidFill>
+                <a:latin typeface="Courier New" panose="02070309020205020404" pitchFamily="49" charset="0"/>
+                <a:ea typeface="Times New Roman" panose="02020603050405020304" pitchFamily="18" charset="0"/>
+              </a:rPr>
+              <a:t>" </a:t>
+            </a:r>
+            <a:br>
+              <a:rPr lang="en-US" sz="1400" b="1" dirty="0">
+                <a:solidFill>
+                  <a:srgbClr val="008000"/>
+                </a:solidFill>
+                <a:latin typeface="Courier New" panose="02070309020205020404" pitchFamily="49" charset="0"/>
+                <a:ea typeface="Times New Roman" panose="02020603050405020304" pitchFamily="18" charset="0"/>
+              </a:rPr>
+            </a:br>
+            <a:r>
+              <a:rPr lang="en-US" sz="1400" b="1" dirty="0">
+                <a:solidFill>
+                  <a:srgbClr val="008000"/>
+                </a:solidFill>
+                <a:latin typeface="Courier New" panose="02070309020205020404" pitchFamily="49" charset="0"/>
+                <a:ea typeface="Times New Roman" panose="02020603050405020304" pitchFamily="18" charset="0"/>
+              </a:rPr>
+              <a:t>           </a:t>
+            </a:r>
+            <a:r>
+              <a:rPr lang="en-US" sz="1400" b="1" dirty="0">
+                <a:solidFill>
+                  <a:srgbClr val="0000FF"/>
+                </a:solidFill>
+                <a:latin typeface="Courier New" panose="02070309020205020404" pitchFamily="49" charset="0"/>
+                <a:ea typeface="Times New Roman" panose="02020603050405020304" pitchFamily="18" charset="0"/>
+              </a:rPr>
+              <a:t>[selected]=</a:t>
+            </a:r>
+            <a:r>
+              <a:rPr lang="en-US" sz="1400" b="1" dirty="0">
+                <a:solidFill>
+                  <a:srgbClr val="008000"/>
+                </a:solidFill>
+                <a:latin typeface="Courier New" panose="02070309020205020404" pitchFamily="49" charset="0"/>
+                <a:ea typeface="Times New Roman" panose="02020603050405020304" pitchFamily="18" charset="0"/>
+              </a:rPr>
+              <a:t>"</a:t>
+            </a:r>
+            <a:r>
+              <a:rPr lang="en-US" sz="1400" b="1" dirty="0">
+                <a:solidFill>
+                  <a:srgbClr val="660E7A"/>
+                </a:solidFill>
+                <a:latin typeface="Courier New" panose="02070309020205020404" pitchFamily="49" charset="0"/>
+                <a:ea typeface="Times New Roman" panose="02020603050405020304" pitchFamily="18" charset="0"/>
+              </a:rPr>
+              <a:t>selected</a:t>
+            </a:r>
+            <a:r>
+              <a:rPr lang="en-US" sz="1400" b="1" dirty="0">
+                <a:solidFill>
+                  <a:srgbClr val="008000"/>
+                </a:solidFill>
+                <a:latin typeface="Courier New" panose="02070309020205020404" pitchFamily="49" charset="0"/>
+                <a:ea typeface="Times New Roman" panose="02020603050405020304" pitchFamily="18" charset="0"/>
+              </a:rPr>
+              <a:t>"</a:t>
+            </a:r>
+            <a:r>
+              <a:rPr lang="en-US" sz="1400" dirty="0">
+                <a:solidFill>
+                  <a:srgbClr val="000000"/>
+                </a:solidFill>
+                <a:latin typeface="Courier New" panose="02070309020205020404" pitchFamily="49" charset="0"/>
+                <a:ea typeface="Times New Roman" panose="02020603050405020304" pitchFamily="18" charset="0"/>
+              </a:rPr>
+              <a:t>&gt;</a:t>
+            </a:r>
+            <a:br>
+              <a:rPr lang="en-US" sz="1400" dirty="0">
+                <a:solidFill>
+                  <a:srgbClr val="000000"/>
+                </a:solidFill>
+                <a:latin typeface="Courier New" panose="02070309020205020404" pitchFamily="49" charset="0"/>
+                <a:ea typeface="Times New Roman" panose="02020603050405020304" pitchFamily="18" charset="0"/>
+              </a:rPr>
+            </a:br>
+            <a:r>
+              <a:rPr lang="en-US" sz="1400" dirty="0">
+                <a:solidFill>
+                  <a:srgbClr val="000000"/>
+                </a:solidFill>
+                <a:latin typeface="Courier New" panose="02070309020205020404" pitchFamily="49" charset="0"/>
+                <a:ea typeface="Times New Roman" panose="02020603050405020304" pitchFamily="18" charset="0"/>
+              </a:rPr>
+              <a:t>&lt;/</a:t>
+            </a:r>
+            <a:r>
+              <a:rPr lang="en-US" sz="1400" b="1" dirty="0">
+                <a:solidFill>
+                  <a:srgbClr val="000080"/>
+                </a:solidFill>
+                <a:latin typeface="Courier New" panose="02070309020205020404" pitchFamily="49" charset="0"/>
+                <a:ea typeface="Times New Roman" panose="02020603050405020304" pitchFamily="18" charset="0"/>
+              </a:rPr>
+              <a:t>my-status</a:t>
+            </a:r>
+            <a:r>
+              <a:rPr lang="en-US" sz="1400" dirty="0">
+                <a:solidFill>
+                  <a:srgbClr val="000000"/>
+                </a:solidFill>
+                <a:latin typeface="Courier New" panose="02070309020205020404" pitchFamily="49" charset="0"/>
+                <a:ea typeface="Times New Roman" panose="02020603050405020304" pitchFamily="18" charset="0"/>
+              </a:rPr>
+              <a:t>&gt;</a:t>
+            </a:r>
+            <a:endParaRPr lang="he-IL" sz="1400" dirty="0"/>
+          </a:p>
+        </p:txBody>
+      </p:sp>
+      <p:sp>
+        <p:nvSpPr>
+          <p:cNvPr id="7" name="Rectangle 6"/>
+          <p:cNvSpPr/>
+          <p:nvPr/>
+        </p:nvSpPr>
+        <p:spPr>
+          <a:xfrm>
+            <a:off x="2403348" y="4005064"/>
+            <a:ext cx="4572000" cy="2462213"/>
+          </a:xfrm>
+          <a:prstGeom prst="rect">
+            <a:avLst/>
+          </a:prstGeom>
+          <a:solidFill>
+            <a:schemeClr val="accent1">
+              <a:lumMod val="60000"/>
+              <a:lumOff val="40000"/>
+            </a:schemeClr>
+          </a:solidFill>
+        </p:spPr>
+        <p:txBody>
+          <a:bodyPr>
+            <a:spAutoFit/>
+          </a:bodyPr>
+          <a:lstStyle/>
+          <a:p>
+            <a:r>
+              <a:rPr lang="en-US" sz="1400" b="1" dirty="0">
+                <a:solidFill>
+                  <a:srgbClr val="000080"/>
+                </a:solidFill>
+                <a:latin typeface="Calibri" panose="020F0502020204030204" pitchFamily="34" charset="0"/>
+                <a:ea typeface="Calibri" panose="020F0502020204030204" pitchFamily="34" charset="0"/>
+                <a:cs typeface="Arial" panose="020B0604020202020204" pitchFamily="34" charset="0"/>
+              </a:rPr>
+              <a:t>export class </a:t>
+            </a:r>
+            <a:r>
+              <a:rPr lang="en-US" sz="1400" dirty="0" err="1">
+                <a:solidFill>
+                  <a:srgbClr val="000000"/>
+                </a:solidFill>
+                <a:latin typeface="Calibri" panose="020F0502020204030204" pitchFamily="34" charset="0"/>
+                <a:ea typeface="Calibri" panose="020F0502020204030204" pitchFamily="34" charset="0"/>
+                <a:cs typeface="Arial" panose="020B0604020202020204" pitchFamily="34" charset="0"/>
+              </a:rPr>
+              <a:t>AppComponent</a:t>
+            </a:r>
+            <a:r>
+              <a:rPr lang="en-US" sz="1400" dirty="0">
+                <a:solidFill>
+                  <a:srgbClr val="000000"/>
+                </a:solidFill>
+                <a:latin typeface="Calibri" panose="020F0502020204030204" pitchFamily="34" charset="0"/>
+                <a:ea typeface="Calibri" panose="020F0502020204030204" pitchFamily="34" charset="0"/>
+                <a:cs typeface="Arial" panose="020B0604020202020204" pitchFamily="34" charset="0"/>
+              </a:rPr>
+              <a:t> {</a:t>
+            </a:r>
+            <a:br>
+              <a:rPr lang="en-US" sz="1400" dirty="0">
+                <a:solidFill>
+                  <a:srgbClr val="000000"/>
+                </a:solidFill>
+                <a:latin typeface="Calibri" panose="020F0502020204030204" pitchFamily="34" charset="0"/>
+                <a:ea typeface="Calibri" panose="020F0502020204030204" pitchFamily="34" charset="0"/>
+                <a:cs typeface="Arial" panose="020B0604020202020204" pitchFamily="34" charset="0"/>
+              </a:rPr>
+            </a:br>
+            <a:r>
+              <a:rPr lang="en-US" sz="1400" dirty="0">
+                <a:solidFill>
+                  <a:srgbClr val="000000"/>
+                </a:solidFill>
+                <a:latin typeface="Calibri" panose="020F0502020204030204" pitchFamily="34" charset="0"/>
+                <a:ea typeface="Calibri" panose="020F0502020204030204" pitchFamily="34" charset="0"/>
+                <a:cs typeface="Arial" panose="020B0604020202020204" pitchFamily="34" charset="0"/>
+              </a:rPr>
+              <a:t>    </a:t>
+            </a:r>
+            <a:r>
+              <a:rPr lang="en-US" sz="1400" b="1" dirty="0">
+                <a:solidFill>
+                  <a:srgbClr val="660E7A"/>
+                </a:solidFill>
+                <a:latin typeface="Calibri" panose="020F0502020204030204" pitchFamily="34" charset="0"/>
+                <a:ea typeface="Calibri" panose="020F0502020204030204" pitchFamily="34" charset="0"/>
+                <a:cs typeface="Arial" panose="020B0604020202020204" pitchFamily="34" charset="0"/>
+              </a:rPr>
+              <a:t>contacts</a:t>
+            </a:r>
+            <a:r>
+              <a:rPr lang="en-US" sz="1400" dirty="0">
+                <a:solidFill>
+                  <a:srgbClr val="000000"/>
+                </a:solidFill>
+                <a:latin typeface="Calibri" panose="020F0502020204030204" pitchFamily="34" charset="0"/>
+                <a:ea typeface="Calibri" panose="020F0502020204030204" pitchFamily="34" charset="0"/>
+                <a:cs typeface="Arial" panose="020B0604020202020204" pitchFamily="34" charset="0"/>
+              </a:rPr>
+              <a:t>: Contact[];</a:t>
+            </a:r>
+            <a:br>
+              <a:rPr lang="en-US" sz="1400" dirty="0">
+                <a:solidFill>
+                  <a:srgbClr val="000000"/>
+                </a:solidFill>
+                <a:latin typeface="Calibri" panose="020F0502020204030204" pitchFamily="34" charset="0"/>
+                <a:ea typeface="Calibri" panose="020F0502020204030204" pitchFamily="34" charset="0"/>
+                <a:cs typeface="Arial" panose="020B0604020202020204" pitchFamily="34" charset="0"/>
+              </a:rPr>
+            </a:br>
+            <a:r>
+              <a:rPr lang="en-US" sz="1400" dirty="0">
+                <a:solidFill>
+                  <a:srgbClr val="000000"/>
+                </a:solidFill>
+                <a:latin typeface="Calibri" panose="020F0502020204030204" pitchFamily="34" charset="0"/>
+                <a:ea typeface="Calibri" panose="020F0502020204030204" pitchFamily="34" charset="0"/>
+                <a:cs typeface="Arial" panose="020B0604020202020204" pitchFamily="34" charset="0"/>
+              </a:rPr>
+              <a:t>    </a:t>
+            </a:r>
+            <a:r>
+              <a:rPr lang="en-US" sz="1400" b="1" dirty="0">
+                <a:solidFill>
+                  <a:srgbClr val="660E7A"/>
+                </a:solidFill>
+                <a:latin typeface="Calibri" panose="020F0502020204030204" pitchFamily="34" charset="0"/>
+                <a:ea typeface="Calibri" panose="020F0502020204030204" pitchFamily="34" charset="0"/>
+                <a:cs typeface="Arial" panose="020B0604020202020204" pitchFamily="34" charset="0"/>
+              </a:rPr>
+              <a:t>selected</a:t>
+            </a:r>
+            <a:r>
+              <a:rPr lang="en-US" sz="1400" dirty="0">
+                <a:solidFill>
+                  <a:srgbClr val="000000"/>
+                </a:solidFill>
+                <a:latin typeface="Calibri" panose="020F0502020204030204" pitchFamily="34" charset="0"/>
+                <a:ea typeface="Calibri" panose="020F0502020204030204" pitchFamily="34" charset="0"/>
+                <a:cs typeface="Arial" panose="020B0604020202020204" pitchFamily="34" charset="0"/>
+              </a:rPr>
+              <a:t>: Contact[];</a:t>
+            </a:r>
+            <a:br>
+              <a:rPr lang="en-US" sz="1400" dirty="0">
+                <a:solidFill>
+                  <a:srgbClr val="000000"/>
+                </a:solidFill>
+                <a:latin typeface="Calibri" panose="020F0502020204030204" pitchFamily="34" charset="0"/>
+                <a:ea typeface="Calibri" panose="020F0502020204030204" pitchFamily="34" charset="0"/>
+                <a:cs typeface="Arial" panose="020B0604020202020204" pitchFamily="34" charset="0"/>
+              </a:rPr>
+            </a:br>
+            <a:br>
+              <a:rPr lang="en-US" sz="1400" dirty="0">
+                <a:solidFill>
+                  <a:srgbClr val="000000"/>
+                </a:solidFill>
+                <a:latin typeface="Calibri" panose="020F0502020204030204" pitchFamily="34" charset="0"/>
+                <a:ea typeface="Calibri" panose="020F0502020204030204" pitchFamily="34" charset="0"/>
+                <a:cs typeface="Arial" panose="020B0604020202020204" pitchFamily="34" charset="0"/>
+              </a:rPr>
+            </a:br>
+            <a:r>
+              <a:rPr lang="en-US" sz="1400" dirty="0">
+                <a:solidFill>
+                  <a:srgbClr val="000000"/>
+                </a:solidFill>
+                <a:latin typeface="Calibri" panose="020F0502020204030204" pitchFamily="34" charset="0"/>
+                <a:ea typeface="Calibri" panose="020F0502020204030204" pitchFamily="34" charset="0"/>
+                <a:cs typeface="Arial" panose="020B0604020202020204" pitchFamily="34" charset="0"/>
+              </a:rPr>
+              <a:t>    </a:t>
+            </a:r>
+            <a:r>
+              <a:rPr lang="en-US" sz="1400" b="1" dirty="0">
+                <a:solidFill>
+                  <a:srgbClr val="000080"/>
+                </a:solidFill>
+                <a:latin typeface="Calibri" panose="020F0502020204030204" pitchFamily="34" charset="0"/>
+                <a:ea typeface="Calibri" panose="020F0502020204030204" pitchFamily="34" charset="0"/>
+                <a:cs typeface="Arial" panose="020B0604020202020204" pitchFamily="34" charset="0"/>
+              </a:rPr>
+              <a:t>constructor</a:t>
+            </a:r>
+            <a:r>
+              <a:rPr lang="en-US" sz="1400" dirty="0">
+                <a:solidFill>
+                  <a:srgbClr val="000000"/>
+                </a:solidFill>
+                <a:latin typeface="Calibri" panose="020F0502020204030204" pitchFamily="34" charset="0"/>
+                <a:ea typeface="Calibri" panose="020F0502020204030204" pitchFamily="34" charset="0"/>
+                <a:cs typeface="Arial" panose="020B0604020202020204" pitchFamily="34" charset="0"/>
+              </a:rPr>
+              <a:t>() {</a:t>
+            </a:r>
+            <a:br>
+              <a:rPr lang="en-US" sz="1400" dirty="0">
+                <a:solidFill>
+                  <a:srgbClr val="000000"/>
+                </a:solidFill>
+                <a:latin typeface="Calibri" panose="020F0502020204030204" pitchFamily="34" charset="0"/>
+                <a:ea typeface="Calibri" panose="020F0502020204030204" pitchFamily="34" charset="0"/>
+                <a:cs typeface="Arial" panose="020B0604020202020204" pitchFamily="34" charset="0"/>
+              </a:rPr>
+            </a:br>
+            <a:r>
+              <a:rPr lang="en-US" sz="1400" dirty="0">
+                <a:solidFill>
+                  <a:srgbClr val="000000"/>
+                </a:solidFill>
+                <a:latin typeface="Calibri" panose="020F0502020204030204" pitchFamily="34" charset="0"/>
+                <a:ea typeface="Calibri" panose="020F0502020204030204" pitchFamily="34" charset="0"/>
+                <a:cs typeface="Arial" panose="020B0604020202020204" pitchFamily="34" charset="0"/>
+              </a:rPr>
+              <a:t>        </a:t>
+            </a:r>
+            <a:r>
+              <a:rPr lang="en-US" sz="1400" b="1" dirty="0" err="1">
+                <a:solidFill>
+                  <a:srgbClr val="000080"/>
+                </a:solidFill>
+                <a:latin typeface="Calibri" panose="020F0502020204030204" pitchFamily="34" charset="0"/>
+                <a:ea typeface="Calibri" panose="020F0502020204030204" pitchFamily="34" charset="0"/>
+                <a:cs typeface="Arial" panose="020B0604020202020204" pitchFamily="34" charset="0"/>
+              </a:rPr>
+              <a:t>this</a:t>
+            </a:r>
+            <a:r>
+              <a:rPr lang="en-US" sz="1400" dirty="0" err="1">
+                <a:solidFill>
+                  <a:srgbClr val="000000"/>
+                </a:solidFill>
+                <a:latin typeface="Calibri" panose="020F0502020204030204" pitchFamily="34" charset="0"/>
+                <a:ea typeface="Calibri" panose="020F0502020204030204" pitchFamily="34" charset="0"/>
+                <a:cs typeface="Arial" panose="020B0604020202020204" pitchFamily="34" charset="0"/>
+              </a:rPr>
+              <a:t>.</a:t>
+            </a:r>
+            <a:r>
+              <a:rPr lang="en-US" sz="1400" b="1" dirty="0" err="1">
+                <a:solidFill>
+                  <a:srgbClr val="660E7A"/>
+                </a:solidFill>
+                <a:latin typeface="Calibri" panose="020F0502020204030204" pitchFamily="34" charset="0"/>
+                <a:ea typeface="Calibri" panose="020F0502020204030204" pitchFamily="34" charset="0"/>
+                <a:cs typeface="Arial" panose="020B0604020202020204" pitchFamily="34" charset="0"/>
+              </a:rPr>
+              <a:t>contacts</a:t>
+            </a:r>
+            <a:r>
+              <a:rPr lang="en-US" sz="1400" b="1" dirty="0">
+                <a:solidFill>
+                  <a:srgbClr val="660E7A"/>
+                </a:solidFill>
+                <a:latin typeface="Calibri" panose="020F0502020204030204" pitchFamily="34" charset="0"/>
+                <a:ea typeface="Calibri" panose="020F0502020204030204" pitchFamily="34" charset="0"/>
+                <a:cs typeface="Arial" panose="020B0604020202020204" pitchFamily="34" charset="0"/>
+              </a:rPr>
+              <a:t> </a:t>
+            </a:r>
+            <a:r>
+              <a:rPr lang="en-US" sz="1400" dirty="0">
+                <a:solidFill>
+                  <a:srgbClr val="000000"/>
+                </a:solidFill>
+                <a:latin typeface="Calibri" panose="020F0502020204030204" pitchFamily="34" charset="0"/>
+                <a:ea typeface="Calibri" panose="020F0502020204030204" pitchFamily="34" charset="0"/>
+                <a:cs typeface="Arial" panose="020B0604020202020204" pitchFamily="34" charset="0"/>
+              </a:rPr>
+              <a:t>= […];</a:t>
+            </a:r>
+            <a:br>
+              <a:rPr lang="en-US" sz="1400" dirty="0">
+                <a:solidFill>
+                  <a:srgbClr val="000000"/>
+                </a:solidFill>
+                <a:latin typeface="Calibri" panose="020F0502020204030204" pitchFamily="34" charset="0"/>
+                <a:ea typeface="Calibri" panose="020F0502020204030204" pitchFamily="34" charset="0"/>
+                <a:cs typeface="Arial" panose="020B0604020202020204" pitchFamily="34" charset="0"/>
+              </a:rPr>
+            </a:br>
+            <a:r>
+              <a:rPr lang="en-US" sz="1400" dirty="0">
+                <a:solidFill>
+                  <a:srgbClr val="000000"/>
+                </a:solidFill>
+                <a:latin typeface="Calibri" panose="020F0502020204030204" pitchFamily="34" charset="0"/>
+                <a:ea typeface="Calibri" panose="020F0502020204030204" pitchFamily="34" charset="0"/>
+                <a:cs typeface="Arial" panose="020B0604020202020204" pitchFamily="34" charset="0"/>
+              </a:rPr>
+              <a:t>        </a:t>
+            </a:r>
+            <a:r>
+              <a:rPr lang="en-US" sz="1400" b="1" dirty="0" err="1">
+                <a:solidFill>
+                  <a:srgbClr val="000080"/>
+                </a:solidFill>
+                <a:latin typeface="Calibri" panose="020F0502020204030204" pitchFamily="34" charset="0"/>
+                <a:ea typeface="Calibri" panose="020F0502020204030204" pitchFamily="34" charset="0"/>
+                <a:cs typeface="Arial" panose="020B0604020202020204" pitchFamily="34" charset="0"/>
+              </a:rPr>
+              <a:t>this</a:t>
+            </a:r>
+            <a:r>
+              <a:rPr lang="en-US" sz="1400" dirty="0" err="1">
+                <a:solidFill>
+                  <a:srgbClr val="000000"/>
+                </a:solidFill>
+                <a:latin typeface="Calibri" panose="020F0502020204030204" pitchFamily="34" charset="0"/>
+                <a:ea typeface="Calibri" panose="020F0502020204030204" pitchFamily="34" charset="0"/>
+                <a:cs typeface="Arial" panose="020B0604020202020204" pitchFamily="34" charset="0"/>
+              </a:rPr>
+              <a:t>.</a:t>
+            </a:r>
+            <a:r>
+              <a:rPr lang="en-US" sz="1400" b="1" dirty="0" err="1">
+                <a:solidFill>
+                  <a:srgbClr val="660E7A"/>
+                </a:solidFill>
+                <a:latin typeface="Calibri" panose="020F0502020204030204" pitchFamily="34" charset="0"/>
+                <a:ea typeface="Calibri" panose="020F0502020204030204" pitchFamily="34" charset="0"/>
+                <a:cs typeface="Arial" panose="020B0604020202020204" pitchFamily="34" charset="0"/>
+              </a:rPr>
+              <a:t>selected</a:t>
+            </a:r>
+            <a:r>
+              <a:rPr lang="en-US" sz="1400" b="1" dirty="0">
+                <a:solidFill>
+                  <a:srgbClr val="660E7A"/>
+                </a:solidFill>
+                <a:latin typeface="Calibri" panose="020F0502020204030204" pitchFamily="34" charset="0"/>
+                <a:ea typeface="Calibri" panose="020F0502020204030204" pitchFamily="34" charset="0"/>
+                <a:cs typeface="Arial" panose="020B0604020202020204" pitchFamily="34" charset="0"/>
+              </a:rPr>
+              <a:t> </a:t>
+            </a:r>
+            <a:r>
+              <a:rPr lang="en-US" sz="1400" dirty="0">
+                <a:solidFill>
+                  <a:srgbClr val="000000"/>
+                </a:solidFill>
+                <a:latin typeface="Calibri" panose="020F0502020204030204" pitchFamily="34" charset="0"/>
+                <a:ea typeface="Calibri" panose="020F0502020204030204" pitchFamily="34" charset="0"/>
+                <a:cs typeface="Arial" panose="020B0604020202020204" pitchFamily="34" charset="0"/>
+              </a:rPr>
+              <a:t>= [];</a:t>
+            </a:r>
+            <a:br>
+              <a:rPr lang="en-US" sz="1400" dirty="0">
+                <a:solidFill>
+                  <a:srgbClr val="000000"/>
+                </a:solidFill>
+                <a:latin typeface="Calibri" panose="020F0502020204030204" pitchFamily="34" charset="0"/>
+                <a:ea typeface="Calibri" panose="020F0502020204030204" pitchFamily="34" charset="0"/>
+                <a:cs typeface="Arial" panose="020B0604020202020204" pitchFamily="34" charset="0"/>
+              </a:rPr>
+            </a:br>
+            <a:r>
+              <a:rPr lang="en-US" sz="1400" dirty="0">
+                <a:solidFill>
+                  <a:srgbClr val="000000"/>
+                </a:solidFill>
+                <a:latin typeface="Calibri" panose="020F0502020204030204" pitchFamily="34" charset="0"/>
+                <a:ea typeface="Calibri" panose="020F0502020204030204" pitchFamily="34" charset="0"/>
+                <a:cs typeface="Arial" panose="020B0604020202020204" pitchFamily="34" charset="0"/>
+              </a:rPr>
+              <a:t>    }</a:t>
+            </a:r>
+            <a:br>
+              <a:rPr lang="en-US" sz="1400" dirty="0">
+                <a:solidFill>
+                  <a:srgbClr val="000000"/>
+                </a:solidFill>
+                <a:latin typeface="Calibri" panose="020F0502020204030204" pitchFamily="34" charset="0"/>
+                <a:ea typeface="Calibri" panose="020F0502020204030204" pitchFamily="34" charset="0"/>
+                <a:cs typeface="Arial" panose="020B0604020202020204" pitchFamily="34" charset="0"/>
+              </a:rPr>
+            </a:br>
+            <a:br>
+              <a:rPr lang="en-US" sz="1400" dirty="0">
+                <a:solidFill>
+                  <a:srgbClr val="000000"/>
+                </a:solidFill>
+                <a:latin typeface="Calibri" panose="020F0502020204030204" pitchFamily="34" charset="0"/>
+                <a:ea typeface="Calibri" panose="020F0502020204030204" pitchFamily="34" charset="0"/>
+                <a:cs typeface="Arial" panose="020B0604020202020204" pitchFamily="34" charset="0"/>
+              </a:rPr>
+            </a:br>
+            <a:r>
+              <a:rPr lang="en-US" sz="1400" dirty="0">
+                <a:solidFill>
+                  <a:srgbClr val="000000"/>
+                </a:solidFill>
+                <a:latin typeface="Calibri" panose="020F0502020204030204" pitchFamily="34" charset="0"/>
+                <a:ea typeface="Calibri" panose="020F0502020204030204" pitchFamily="34" charset="0"/>
+                <a:cs typeface="Arial" panose="020B0604020202020204" pitchFamily="34" charset="0"/>
+              </a:rPr>
+              <a:t>    </a:t>
+            </a:r>
+            <a:r>
+              <a:rPr lang="en-US" sz="1400" dirty="0" err="1">
+                <a:solidFill>
+                  <a:srgbClr val="7A7A43"/>
+                </a:solidFill>
+                <a:latin typeface="Calibri" panose="020F0502020204030204" pitchFamily="34" charset="0"/>
+                <a:ea typeface="Calibri" panose="020F0502020204030204" pitchFamily="34" charset="0"/>
+                <a:cs typeface="Arial" panose="020B0604020202020204" pitchFamily="34" charset="0"/>
+              </a:rPr>
+              <a:t>onSelectionChanged</a:t>
+            </a:r>
+            <a:r>
+              <a:rPr lang="en-US" sz="1400" dirty="0">
+                <a:solidFill>
+                  <a:srgbClr val="000000"/>
+                </a:solidFill>
+                <a:latin typeface="Calibri" panose="020F0502020204030204" pitchFamily="34" charset="0"/>
+                <a:ea typeface="Calibri" panose="020F0502020204030204" pitchFamily="34" charset="0"/>
+                <a:cs typeface="Arial" panose="020B0604020202020204" pitchFamily="34" charset="0"/>
+              </a:rPr>
+              <a:t>($event: </a:t>
+            </a:r>
+            <a:r>
+              <a:rPr lang="en-US" sz="1400" dirty="0" err="1">
+                <a:solidFill>
+                  <a:srgbClr val="000000"/>
+                </a:solidFill>
+                <a:latin typeface="Calibri" panose="020F0502020204030204" pitchFamily="34" charset="0"/>
+                <a:ea typeface="Calibri" panose="020F0502020204030204" pitchFamily="34" charset="0"/>
+                <a:cs typeface="Arial" panose="020B0604020202020204" pitchFamily="34" charset="0"/>
+              </a:rPr>
+              <a:t>SelectionChanged</a:t>
+            </a:r>
+            <a:r>
+              <a:rPr lang="en-US" sz="1400" dirty="0">
+                <a:solidFill>
+                  <a:srgbClr val="000000"/>
+                </a:solidFill>
+                <a:latin typeface="Calibri" panose="020F0502020204030204" pitchFamily="34" charset="0"/>
+                <a:ea typeface="Calibri" panose="020F0502020204030204" pitchFamily="34" charset="0"/>
+                <a:cs typeface="Arial" panose="020B0604020202020204" pitchFamily="34" charset="0"/>
+              </a:rPr>
+              <a:t>) {…}</a:t>
+            </a:r>
+            <a:br>
+              <a:rPr lang="en-US" sz="1400" dirty="0">
+                <a:solidFill>
+                  <a:srgbClr val="000000"/>
+                </a:solidFill>
+                <a:latin typeface="Calibri" panose="020F0502020204030204" pitchFamily="34" charset="0"/>
+                <a:ea typeface="Calibri" panose="020F0502020204030204" pitchFamily="34" charset="0"/>
+                <a:cs typeface="Arial" panose="020B0604020202020204" pitchFamily="34" charset="0"/>
+              </a:rPr>
+            </a:br>
+            <a:r>
+              <a:rPr lang="en-US" sz="1400" dirty="0">
+                <a:solidFill>
+                  <a:srgbClr val="000000"/>
+                </a:solidFill>
+                <a:latin typeface="Calibri" panose="020F0502020204030204" pitchFamily="34" charset="0"/>
+                <a:ea typeface="Calibri" panose="020F0502020204030204" pitchFamily="34" charset="0"/>
+                <a:cs typeface="Arial" panose="020B0604020202020204" pitchFamily="34" charset="0"/>
+              </a:rPr>
+              <a:t>}</a:t>
+            </a:r>
+            <a:endParaRPr lang="he-IL" sz="1400" dirty="0"/>
+          </a:p>
+        </p:txBody>
+      </p:sp>
+    </p:spTree>
+    <p:extLst>
+      <p:ext uri="{BB962C8B-B14F-4D97-AF65-F5344CB8AC3E}">
+        <p14:creationId xmlns:p14="http://schemas.microsoft.com/office/powerpoint/2010/main" val="2698511996"/>
+      </p:ext>
+    </p:extLst>
+  </p:cSld>
+  <p:clrMapOvr>
+    <a:masterClrMapping/>
+  </p:clrMapOvr>
+</p:sld>
+</file>
+
+<file path=ppt/slides/slide6.xml><?xml version="1.0" encoding="utf-8"?>
+<p:sld xmlns:a="http://schemas.openxmlformats.org/drawingml/2006/main" xmlns:r="http://schemas.openxmlformats.org/officeDocument/2006/relationships" xmlns:p="http://schemas.openxmlformats.org/presentationml/2006/main">
+  <p:cSld>
+    <p:spTree>
+      <p:nvGrpSpPr>
+        <p:cNvPr id="1" name=""/>
+        <p:cNvGrpSpPr/>
+        <p:nvPr/>
+      </p:nvGrpSpPr>
+      <p:grpSpPr>
+        <a:xfrm>
+          <a:off x="0" y="0"/>
+          <a:ext cx="0" cy="0"/>
+          <a:chOff x="0" y="0"/>
+          <a:chExt cx="0" cy="0"/>
+        </a:xfrm>
+      </p:grpSpPr>
+      <p:sp>
+        <p:nvSpPr>
+          <p:cNvPr id="2" name="Title 1"/>
+          <p:cNvSpPr>
+            <a:spLocks noGrp="1"/>
+          </p:cNvSpPr>
+          <p:nvPr>
+            <p:ph type="title"/>
+          </p:nvPr>
+        </p:nvSpPr>
+        <p:spPr/>
+        <p:txBody>
+          <a:bodyPr/>
+          <a:lstStyle/>
+          <a:p>
+            <a:r>
+              <a:rPr lang="en-US" dirty="0"/>
+              <a:t>Pros &amp; Cons</a:t>
+            </a:r>
+            <a:endParaRPr lang="he-IL" dirty="0"/>
+          </a:p>
+        </p:txBody>
+      </p:sp>
+      <p:sp>
+        <p:nvSpPr>
+          <p:cNvPr id="3" name="Footer Placeholder 2"/>
+          <p:cNvSpPr>
+            <a:spLocks noGrp="1"/>
+          </p:cNvSpPr>
+          <p:nvPr>
+            <p:ph type="ftr" sz="quarter" idx="11"/>
+          </p:nvPr>
+        </p:nvSpPr>
+        <p:spPr/>
+        <p:txBody>
+          <a:bodyPr/>
+          <a:lstStyle/>
+          <a:p>
+            <a:r>
+              <a:rPr lang="en-US"/>
+              <a:t>© 2016 Ori Calvo</a:t>
+            </a:r>
+            <a:endParaRPr lang="en-US" dirty="0"/>
+          </a:p>
+        </p:txBody>
+      </p:sp>
+      <p:sp>
+        <p:nvSpPr>
+          <p:cNvPr id="4" name="Slide Number Placeholder 3"/>
+          <p:cNvSpPr>
+            <a:spLocks noGrp="1"/>
+          </p:cNvSpPr>
+          <p:nvPr>
+            <p:ph type="sldNum" sz="quarter" idx="12"/>
+          </p:nvPr>
+        </p:nvSpPr>
+        <p:spPr/>
+        <p:txBody>
+          <a:bodyPr>
+            <a:normAutofit fontScale="85000" lnSpcReduction="20000"/>
+          </a:bodyPr>
+          <a:lstStyle/>
+          <a:p>
+            <a:fld id="{6EDEC3BC-0694-4586-AE63-02B4D54ABF43}" type="slidenum">
+              <a:rPr lang="en-US" smtClean="0"/>
+              <a:pPr/>
+              <a:t>6</a:t>
+            </a:fld>
+            <a:endParaRPr lang="en-US"/>
+          </a:p>
+        </p:txBody>
+      </p:sp>
+      <p:sp>
+        <p:nvSpPr>
+          <p:cNvPr id="5" name="Content Placeholder 4"/>
+          <p:cNvSpPr>
+            <a:spLocks noGrp="1"/>
+          </p:cNvSpPr>
+          <p:nvPr>
+            <p:ph sz="quarter" idx="1"/>
+          </p:nvPr>
+        </p:nvSpPr>
+        <p:spPr/>
+        <p:txBody>
+          <a:bodyPr/>
+          <a:lstStyle/>
+          <a:p>
+            <a:r>
+              <a:rPr lang="en-US" dirty="0"/>
+              <a:t>Straight forward solution</a:t>
+            </a:r>
+          </a:p>
+          <a:p>
+            <a:r>
+              <a:rPr lang="en-US" dirty="0"/>
+              <a:t>Since parent manages the whole state it can be easily duplicated and reused</a:t>
+            </a:r>
+          </a:p>
+          <a:p>
+            <a:r>
+              <a:rPr lang="en-US" dirty="0"/>
+              <a:t>Need to manually “bubble up” the selection event</a:t>
+            </a:r>
+          </a:p>
+          <a:p>
+            <a:r>
+              <a:rPr lang="en-US" dirty="0"/>
+              <a:t>Intermediate components must support inputs that are reflection of deep components state</a:t>
+            </a:r>
+          </a:p>
+        </p:txBody>
+      </p:sp>
+    </p:spTree>
+    <p:extLst>
+      <p:ext uri="{BB962C8B-B14F-4D97-AF65-F5344CB8AC3E}">
+        <p14:creationId xmlns:p14="http://schemas.microsoft.com/office/powerpoint/2010/main" val="526451082"/>
+      </p:ext>
+    </p:extLst>
+  </p:cSld>
+  <p:clrMapOvr>
+    <a:masterClrMapping/>
+  </p:clrMapOvr>
+</p:sld>
+</file>
+
+<file path=ppt/slides/slide7.xml><?xml version="1.0" encoding="utf-8"?>
+<p:sld xmlns:a="http://schemas.openxmlformats.org/drawingml/2006/main" xmlns:r="http://schemas.openxmlformats.org/officeDocument/2006/relationships" xmlns:p="http://schemas.openxmlformats.org/presentationml/2006/main">
+  <p:cSld>
+    <p:spTree>
+      <p:nvGrpSpPr>
+        <p:cNvPr id="1" name=""/>
+        <p:cNvGrpSpPr/>
+        <p:nvPr/>
+      </p:nvGrpSpPr>
+      <p:grpSpPr>
+        <a:xfrm>
+          <a:off x="0" y="0"/>
+          <a:ext cx="0" cy="0"/>
+          <a:chOff x="0" y="0"/>
+          <a:chExt cx="0" cy="0"/>
+        </a:xfrm>
+      </p:grpSpPr>
+      <p:sp>
+        <p:nvSpPr>
+          <p:cNvPr id="2" name="Title 1"/>
+          <p:cNvSpPr>
+            <a:spLocks noGrp="1"/>
+          </p:cNvSpPr>
+          <p:nvPr>
+            <p:ph type="title"/>
+          </p:nvPr>
+        </p:nvSpPr>
+        <p:spPr/>
+        <p:txBody>
+          <a:bodyPr/>
+          <a:lstStyle/>
+          <a:p>
+            <a:r>
+              <a:rPr lang="en-US" dirty="0"/>
+              <a:t>Solution 2 – Service Facade </a:t>
+            </a:r>
+            <a:endParaRPr lang="he-IL" dirty="0"/>
+          </a:p>
+        </p:txBody>
+      </p:sp>
+      <p:sp>
+        <p:nvSpPr>
+          <p:cNvPr id="3" name="Footer Placeholder 2"/>
+          <p:cNvSpPr>
+            <a:spLocks noGrp="1"/>
+          </p:cNvSpPr>
+          <p:nvPr>
+            <p:ph type="ftr" sz="quarter" idx="11"/>
+          </p:nvPr>
+        </p:nvSpPr>
+        <p:spPr/>
+        <p:txBody>
+          <a:bodyPr/>
+          <a:lstStyle/>
+          <a:p>
+            <a:r>
+              <a:rPr lang="en-US"/>
+              <a:t>© 2016 Ori Calvo</a:t>
+            </a:r>
+            <a:endParaRPr lang="en-US" dirty="0"/>
+          </a:p>
+        </p:txBody>
+      </p:sp>
+      <p:sp>
+        <p:nvSpPr>
+          <p:cNvPr id="4" name="Slide Number Placeholder 3"/>
+          <p:cNvSpPr>
+            <a:spLocks noGrp="1"/>
+          </p:cNvSpPr>
+          <p:nvPr>
+            <p:ph type="sldNum" sz="quarter" idx="12"/>
+          </p:nvPr>
+        </p:nvSpPr>
+        <p:spPr/>
+        <p:txBody>
+          <a:bodyPr>
+            <a:normAutofit fontScale="85000" lnSpcReduction="20000"/>
+          </a:bodyPr>
+          <a:lstStyle/>
+          <a:p>
+            <a:fld id="{6EDEC3BC-0694-4586-AE63-02B4D54ABF43}" type="slidenum">
+              <a:rPr lang="en-US" smtClean="0"/>
+              <a:pPr/>
+              <a:t>7</a:t>
+            </a:fld>
+            <a:endParaRPr lang="en-US"/>
+          </a:p>
+        </p:txBody>
+      </p:sp>
+      <p:sp>
+        <p:nvSpPr>
+          <p:cNvPr id="5" name="Content Placeholder 4"/>
+          <p:cNvSpPr>
+            <a:spLocks noGrp="1"/>
+          </p:cNvSpPr>
+          <p:nvPr>
+            <p:ph sz="quarter" idx="1"/>
+          </p:nvPr>
+        </p:nvSpPr>
+        <p:spPr/>
+        <p:txBody>
+          <a:bodyPr/>
+          <a:lstStyle/>
+          <a:p>
+            <a:r>
+              <a:rPr lang="en-US" dirty="0"/>
+              <a:t>Remove all inputs &amp; events</a:t>
+            </a:r>
+          </a:p>
+          <a:p>
+            <a:r>
+              <a:rPr lang="en-US" dirty="0"/>
+              <a:t>All components talk to a service façade</a:t>
+            </a:r>
+          </a:p>
+          <a:p>
+            <a:r>
+              <a:rPr lang="en-US" dirty="0"/>
+              <a:t>The service holds the whole state</a:t>
+            </a:r>
+          </a:p>
+          <a:p>
+            <a:r>
+              <a:rPr lang="en-US" dirty="0"/>
+              <a:t>Each component is bound to the state directly</a:t>
+            </a:r>
+          </a:p>
+          <a:p>
+            <a:endParaRPr lang="he-IL" dirty="0"/>
+          </a:p>
+        </p:txBody>
+      </p:sp>
+    </p:spTree>
+    <p:extLst>
+      <p:ext uri="{BB962C8B-B14F-4D97-AF65-F5344CB8AC3E}">
+        <p14:creationId xmlns:p14="http://schemas.microsoft.com/office/powerpoint/2010/main" val="860398521"/>
+      </p:ext>
+    </p:extLst>
+  </p:cSld>
+  <p:clrMapOvr>
+    <a:masterClrMapping/>
+  </p:clrMapOvr>
+</p:sld>
+</file>
+
+<file path=ppt/slides/slide8.xml><?xml version="1.0" encoding="utf-8"?>
+<p:sld xmlns:a="http://schemas.openxmlformats.org/drawingml/2006/main" xmlns:r="http://schemas.openxmlformats.org/officeDocument/2006/relationships" xmlns:p="http://schemas.openxmlformats.org/presentationml/2006/main">
+  <p:cSld>
+    <p:spTree>
+      <p:nvGrpSpPr>
+        <p:cNvPr id="1" name=""/>
+        <p:cNvGrpSpPr/>
+        <p:nvPr/>
+      </p:nvGrpSpPr>
+      <p:grpSpPr>
+        <a:xfrm>
+          <a:off x="0" y="0"/>
+          <a:ext cx="0" cy="0"/>
+          <a:chOff x="0" y="0"/>
+          <a:chExt cx="0" cy="0"/>
+        </a:xfrm>
+      </p:grpSpPr>
+      <p:sp>
+        <p:nvSpPr>
+          <p:cNvPr id="2" name="Title 1"/>
+          <p:cNvSpPr>
+            <a:spLocks noGrp="1"/>
+          </p:cNvSpPr>
+          <p:nvPr>
+            <p:ph type="title"/>
+          </p:nvPr>
+        </p:nvSpPr>
+        <p:spPr/>
+        <p:txBody>
+          <a:bodyPr/>
+          <a:lstStyle/>
+          <a:p>
+            <a:r>
+              <a:rPr lang="en-US" dirty="0"/>
+              <a:t>Solution 2 – Service Facade </a:t>
+            </a:r>
+            <a:endParaRPr lang="he-IL" dirty="0"/>
+          </a:p>
+        </p:txBody>
+      </p:sp>
+      <p:sp>
+        <p:nvSpPr>
+          <p:cNvPr id="3" name="Footer Placeholder 2"/>
+          <p:cNvSpPr>
+            <a:spLocks noGrp="1"/>
+          </p:cNvSpPr>
+          <p:nvPr>
+            <p:ph type="ftr" sz="quarter" idx="11"/>
+          </p:nvPr>
+        </p:nvSpPr>
+        <p:spPr/>
+        <p:txBody>
+          <a:bodyPr/>
+          <a:lstStyle/>
+          <a:p>
+            <a:r>
+              <a:rPr lang="en-US"/>
+              <a:t>© 2016 Ori Calvo</a:t>
+            </a:r>
+            <a:endParaRPr lang="en-US" dirty="0"/>
+          </a:p>
+        </p:txBody>
+      </p:sp>
+      <p:sp>
+        <p:nvSpPr>
+          <p:cNvPr id="4" name="Slide Number Placeholder 3"/>
+          <p:cNvSpPr>
+            <a:spLocks noGrp="1"/>
+          </p:cNvSpPr>
+          <p:nvPr>
+            <p:ph type="sldNum" sz="quarter" idx="12"/>
+          </p:nvPr>
+        </p:nvSpPr>
+        <p:spPr/>
+        <p:txBody>
+          <a:bodyPr>
+            <a:normAutofit fontScale="85000" lnSpcReduction="20000"/>
+          </a:bodyPr>
+          <a:lstStyle/>
+          <a:p>
+            <a:fld id="{6EDEC3BC-0694-4586-AE63-02B4D54ABF43}" type="slidenum">
+              <a:rPr lang="en-US" smtClean="0"/>
+              <a:pPr/>
+              <a:t>8</a:t>
+            </a:fld>
+            <a:endParaRPr lang="en-US"/>
+          </a:p>
+        </p:txBody>
+      </p:sp>
+      <p:sp>
+        <p:nvSpPr>
+          <p:cNvPr id="6" name="Rectangle 5"/>
+          <p:cNvSpPr/>
+          <p:nvPr/>
+        </p:nvSpPr>
+        <p:spPr>
+          <a:xfrm>
+            <a:off x="533400" y="1991297"/>
+            <a:ext cx="3320780" cy="3754874"/>
+          </a:xfrm>
+          <a:prstGeom prst="rect">
+            <a:avLst/>
+          </a:prstGeom>
+          <a:solidFill>
+            <a:schemeClr val="accent1">
+              <a:lumMod val="60000"/>
+              <a:lumOff val="40000"/>
+            </a:schemeClr>
+          </a:solidFill>
+        </p:spPr>
+        <p:txBody>
+          <a:bodyPr wrap="square">
+            <a:spAutoFit/>
+          </a:bodyPr>
+          <a:lstStyle/>
+          <a:p>
+            <a:r>
+              <a:rPr lang="en-US" sz="1400" b="1" dirty="0">
+                <a:solidFill>
+                  <a:srgbClr val="000080"/>
+                </a:solidFill>
+                <a:latin typeface="Calibri" panose="020F0502020204030204" pitchFamily="34" charset="0"/>
+                <a:ea typeface="Calibri" panose="020F0502020204030204" pitchFamily="34" charset="0"/>
+                <a:cs typeface="Arial" panose="020B0604020202020204" pitchFamily="34" charset="0"/>
+              </a:rPr>
+              <a:t>export class </a:t>
+            </a:r>
+            <a:r>
+              <a:rPr lang="en-US" sz="1400" dirty="0" err="1">
+                <a:solidFill>
+                  <a:srgbClr val="000000"/>
+                </a:solidFill>
+                <a:latin typeface="Calibri" panose="020F0502020204030204" pitchFamily="34" charset="0"/>
+                <a:ea typeface="Calibri" panose="020F0502020204030204" pitchFamily="34" charset="0"/>
+                <a:cs typeface="Arial" panose="020B0604020202020204" pitchFamily="34" charset="0"/>
+              </a:rPr>
+              <a:t>ContactService</a:t>
+            </a:r>
+            <a:r>
+              <a:rPr lang="en-US" sz="1400" dirty="0">
+                <a:solidFill>
+                  <a:srgbClr val="000000"/>
+                </a:solidFill>
+                <a:latin typeface="Calibri" panose="020F0502020204030204" pitchFamily="34" charset="0"/>
+                <a:ea typeface="Calibri" panose="020F0502020204030204" pitchFamily="34" charset="0"/>
+                <a:cs typeface="Arial" panose="020B0604020202020204" pitchFamily="34" charset="0"/>
+              </a:rPr>
+              <a:t> {</a:t>
+            </a:r>
+            <a:br>
+              <a:rPr lang="en-US" sz="1400" dirty="0">
+                <a:solidFill>
+                  <a:srgbClr val="000000"/>
+                </a:solidFill>
+                <a:latin typeface="Calibri" panose="020F0502020204030204" pitchFamily="34" charset="0"/>
+                <a:ea typeface="Calibri" panose="020F0502020204030204" pitchFamily="34" charset="0"/>
+                <a:cs typeface="Arial" panose="020B0604020202020204" pitchFamily="34" charset="0"/>
+              </a:rPr>
+            </a:br>
+            <a:r>
+              <a:rPr lang="en-US" sz="1400" dirty="0">
+                <a:solidFill>
+                  <a:srgbClr val="000000"/>
+                </a:solidFill>
+                <a:latin typeface="Calibri" panose="020F0502020204030204" pitchFamily="34" charset="0"/>
+                <a:ea typeface="Calibri" panose="020F0502020204030204" pitchFamily="34" charset="0"/>
+                <a:cs typeface="Arial" panose="020B0604020202020204" pitchFamily="34" charset="0"/>
+              </a:rPr>
+              <a:t>    </a:t>
+            </a:r>
+            <a:r>
+              <a:rPr lang="en-US" sz="1400" b="1" dirty="0">
+                <a:solidFill>
+                  <a:srgbClr val="660E7A"/>
+                </a:solidFill>
+                <a:latin typeface="Calibri" panose="020F0502020204030204" pitchFamily="34" charset="0"/>
+                <a:ea typeface="Calibri" panose="020F0502020204030204" pitchFamily="34" charset="0"/>
+                <a:cs typeface="Arial" panose="020B0604020202020204" pitchFamily="34" charset="0"/>
+              </a:rPr>
+              <a:t>contacts</a:t>
+            </a:r>
+            <a:r>
+              <a:rPr lang="en-US" sz="1400" dirty="0">
+                <a:solidFill>
+                  <a:srgbClr val="000000"/>
+                </a:solidFill>
+                <a:latin typeface="Calibri" panose="020F0502020204030204" pitchFamily="34" charset="0"/>
+                <a:ea typeface="Calibri" panose="020F0502020204030204" pitchFamily="34" charset="0"/>
+                <a:cs typeface="Arial" panose="020B0604020202020204" pitchFamily="34" charset="0"/>
+              </a:rPr>
+              <a:t>: Contact[];</a:t>
+            </a:r>
+            <a:br>
+              <a:rPr lang="en-US" sz="1400" dirty="0">
+                <a:solidFill>
+                  <a:srgbClr val="000000"/>
+                </a:solidFill>
+                <a:latin typeface="Calibri" panose="020F0502020204030204" pitchFamily="34" charset="0"/>
+                <a:ea typeface="Calibri" panose="020F0502020204030204" pitchFamily="34" charset="0"/>
+                <a:cs typeface="Arial" panose="020B0604020202020204" pitchFamily="34" charset="0"/>
+              </a:rPr>
+            </a:br>
+            <a:r>
+              <a:rPr lang="en-US" sz="1400" dirty="0">
+                <a:solidFill>
+                  <a:srgbClr val="000000"/>
+                </a:solidFill>
+                <a:latin typeface="Calibri" panose="020F0502020204030204" pitchFamily="34" charset="0"/>
+                <a:ea typeface="Calibri" panose="020F0502020204030204" pitchFamily="34" charset="0"/>
+                <a:cs typeface="Arial" panose="020B0604020202020204" pitchFamily="34" charset="0"/>
+              </a:rPr>
+              <a:t>    </a:t>
+            </a:r>
+            <a:r>
+              <a:rPr lang="en-US" sz="1400" b="1" dirty="0">
+                <a:solidFill>
+                  <a:srgbClr val="660E7A"/>
+                </a:solidFill>
+                <a:latin typeface="Calibri" panose="020F0502020204030204" pitchFamily="34" charset="0"/>
+                <a:ea typeface="Calibri" panose="020F0502020204030204" pitchFamily="34" charset="0"/>
+                <a:cs typeface="Arial" panose="020B0604020202020204" pitchFamily="34" charset="0"/>
+              </a:rPr>
+              <a:t>selected</a:t>
+            </a:r>
+            <a:r>
+              <a:rPr lang="en-US" sz="1400" dirty="0">
+                <a:solidFill>
+                  <a:srgbClr val="000000"/>
+                </a:solidFill>
+                <a:latin typeface="Calibri" panose="020F0502020204030204" pitchFamily="34" charset="0"/>
+                <a:ea typeface="Calibri" panose="020F0502020204030204" pitchFamily="34" charset="0"/>
+                <a:cs typeface="Arial" panose="020B0604020202020204" pitchFamily="34" charset="0"/>
+              </a:rPr>
+              <a:t>: Contact[];</a:t>
+            </a:r>
+            <a:br>
+              <a:rPr lang="en-US" sz="1400" dirty="0">
+                <a:solidFill>
+                  <a:srgbClr val="000000"/>
+                </a:solidFill>
+                <a:latin typeface="Calibri" panose="020F0502020204030204" pitchFamily="34" charset="0"/>
+                <a:ea typeface="Calibri" panose="020F0502020204030204" pitchFamily="34" charset="0"/>
+                <a:cs typeface="Arial" panose="020B0604020202020204" pitchFamily="34" charset="0"/>
+              </a:rPr>
+            </a:br>
+            <a:br>
+              <a:rPr lang="en-US" sz="1400" dirty="0">
+                <a:solidFill>
+                  <a:srgbClr val="000000"/>
+                </a:solidFill>
+                <a:latin typeface="Calibri" panose="020F0502020204030204" pitchFamily="34" charset="0"/>
+                <a:ea typeface="Calibri" panose="020F0502020204030204" pitchFamily="34" charset="0"/>
+                <a:cs typeface="Arial" panose="020B0604020202020204" pitchFamily="34" charset="0"/>
+              </a:rPr>
+            </a:br>
+            <a:r>
+              <a:rPr lang="en-US" sz="1400" dirty="0">
+                <a:solidFill>
+                  <a:srgbClr val="000000"/>
+                </a:solidFill>
+                <a:latin typeface="Calibri" panose="020F0502020204030204" pitchFamily="34" charset="0"/>
+                <a:ea typeface="Calibri" panose="020F0502020204030204" pitchFamily="34" charset="0"/>
+                <a:cs typeface="Arial" panose="020B0604020202020204" pitchFamily="34" charset="0"/>
+              </a:rPr>
+              <a:t>    </a:t>
+            </a:r>
+            <a:r>
+              <a:rPr lang="en-US" sz="1400" b="1" dirty="0">
+                <a:solidFill>
+                  <a:srgbClr val="000080"/>
+                </a:solidFill>
+                <a:latin typeface="Calibri" panose="020F0502020204030204" pitchFamily="34" charset="0"/>
+                <a:ea typeface="Calibri" panose="020F0502020204030204" pitchFamily="34" charset="0"/>
+                <a:cs typeface="Arial" panose="020B0604020202020204" pitchFamily="34" charset="0"/>
+              </a:rPr>
+              <a:t>constructor</a:t>
+            </a:r>
+            <a:r>
+              <a:rPr lang="en-US" sz="1400" dirty="0">
+                <a:solidFill>
+                  <a:srgbClr val="000000"/>
+                </a:solidFill>
+                <a:latin typeface="Calibri" panose="020F0502020204030204" pitchFamily="34" charset="0"/>
+                <a:ea typeface="Calibri" panose="020F0502020204030204" pitchFamily="34" charset="0"/>
+                <a:cs typeface="Arial" panose="020B0604020202020204" pitchFamily="34" charset="0"/>
+              </a:rPr>
+              <a:t>() {</a:t>
+            </a:r>
+            <a:br>
+              <a:rPr lang="en-US" sz="1400" dirty="0">
+                <a:solidFill>
+                  <a:srgbClr val="000000"/>
+                </a:solidFill>
+                <a:latin typeface="Calibri" panose="020F0502020204030204" pitchFamily="34" charset="0"/>
+                <a:ea typeface="Calibri" panose="020F0502020204030204" pitchFamily="34" charset="0"/>
+                <a:cs typeface="Arial" panose="020B0604020202020204" pitchFamily="34" charset="0"/>
+              </a:rPr>
+            </a:br>
+            <a:r>
+              <a:rPr lang="en-US" sz="1400" dirty="0">
+                <a:solidFill>
+                  <a:srgbClr val="000000"/>
+                </a:solidFill>
+                <a:latin typeface="Calibri" panose="020F0502020204030204" pitchFamily="34" charset="0"/>
+                <a:ea typeface="Calibri" panose="020F0502020204030204" pitchFamily="34" charset="0"/>
+                <a:cs typeface="Arial" panose="020B0604020202020204" pitchFamily="34" charset="0"/>
+              </a:rPr>
+              <a:t>        </a:t>
+            </a:r>
+            <a:r>
+              <a:rPr lang="en-US" sz="1400" b="1" dirty="0" err="1">
+                <a:solidFill>
+                  <a:srgbClr val="000080"/>
+                </a:solidFill>
+                <a:latin typeface="Calibri" panose="020F0502020204030204" pitchFamily="34" charset="0"/>
+                <a:ea typeface="Calibri" panose="020F0502020204030204" pitchFamily="34" charset="0"/>
+                <a:cs typeface="Arial" panose="020B0604020202020204" pitchFamily="34" charset="0"/>
+              </a:rPr>
+              <a:t>this</a:t>
+            </a:r>
+            <a:r>
+              <a:rPr lang="en-US" sz="1400" dirty="0" err="1">
+                <a:solidFill>
+                  <a:srgbClr val="000000"/>
+                </a:solidFill>
+                <a:latin typeface="Calibri" panose="020F0502020204030204" pitchFamily="34" charset="0"/>
+                <a:ea typeface="Calibri" panose="020F0502020204030204" pitchFamily="34" charset="0"/>
+                <a:cs typeface="Arial" panose="020B0604020202020204" pitchFamily="34" charset="0"/>
+              </a:rPr>
+              <a:t>.</a:t>
+            </a:r>
+            <a:r>
+              <a:rPr lang="en-US" sz="1400" b="1" dirty="0" err="1">
+                <a:solidFill>
+                  <a:srgbClr val="660E7A"/>
+                </a:solidFill>
+                <a:latin typeface="Calibri" panose="020F0502020204030204" pitchFamily="34" charset="0"/>
+                <a:ea typeface="Calibri" panose="020F0502020204030204" pitchFamily="34" charset="0"/>
+                <a:cs typeface="Arial" panose="020B0604020202020204" pitchFamily="34" charset="0"/>
+              </a:rPr>
+              <a:t>contacts</a:t>
+            </a:r>
+            <a:r>
+              <a:rPr lang="en-US" sz="1400" b="1" dirty="0">
+                <a:solidFill>
+                  <a:srgbClr val="660E7A"/>
+                </a:solidFill>
+                <a:latin typeface="Calibri" panose="020F0502020204030204" pitchFamily="34" charset="0"/>
+                <a:ea typeface="Calibri" panose="020F0502020204030204" pitchFamily="34" charset="0"/>
+                <a:cs typeface="Arial" panose="020B0604020202020204" pitchFamily="34" charset="0"/>
+              </a:rPr>
+              <a:t> </a:t>
+            </a:r>
+            <a:r>
+              <a:rPr lang="en-US" sz="1400" dirty="0">
+                <a:solidFill>
+                  <a:srgbClr val="000000"/>
+                </a:solidFill>
+                <a:latin typeface="Calibri" panose="020F0502020204030204" pitchFamily="34" charset="0"/>
+                <a:ea typeface="Calibri" panose="020F0502020204030204" pitchFamily="34" charset="0"/>
+                <a:cs typeface="Arial" panose="020B0604020202020204" pitchFamily="34" charset="0"/>
+              </a:rPr>
+              <a:t>= […];</a:t>
+            </a:r>
+            <a:br>
+              <a:rPr lang="en-US" sz="1400" dirty="0">
+                <a:solidFill>
+                  <a:srgbClr val="000000"/>
+                </a:solidFill>
+                <a:latin typeface="Calibri" panose="020F0502020204030204" pitchFamily="34" charset="0"/>
+                <a:ea typeface="Calibri" panose="020F0502020204030204" pitchFamily="34" charset="0"/>
+                <a:cs typeface="Arial" panose="020B0604020202020204" pitchFamily="34" charset="0"/>
+              </a:rPr>
+            </a:br>
+            <a:r>
+              <a:rPr lang="en-US" sz="1400" dirty="0">
+                <a:solidFill>
+                  <a:srgbClr val="000000"/>
+                </a:solidFill>
+                <a:latin typeface="Calibri" panose="020F0502020204030204" pitchFamily="34" charset="0"/>
+                <a:ea typeface="Calibri" panose="020F0502020204030204" pitchFamily="34" charset="0"/>
+                <a:cs typeface="Arial" panose="020B0604020202020204" pitchFamily="34" charset="0"/>
+              </a:rPr>
+              <a:t>        </a:t>
+            </a:r>
+            <a:r>
+              <a:rPr lang="en-US" sz="1400" b="1" dirty="0" err="1">
+                <a:solidFill>
+                  <a:srgbClr val="000080"/>
+                </a:solidFill>
+                <a:latin typeface="Calibri" panose="020F0502020204030204" pitchFamily="34" charset="0"/>
+                <a:ea typeface="Calibri" panose="020F0502020204030204" pitchFamily="34" charset="0"/>
+                <a:cs typeface="Arial" panose="020B0604020202020204" pitchFamily="34" charset="0"/>
+              </a:rPr>
+              <a:t>this</a:t>
+            </a:r>
+            <a:r>
+              <a:rPr lang="en-US" sz="1400" dirty="0" err="1">
+                <a:solidFill>
+                  <a:srgbClr val="000000"/>
+                </a:solidFill>
+                <a:latin typeface="Calibri" panose="020F0502020204030204" pitchFamily="34" charset="0"/>
+                <a:ea typeface="Calibri" panose="020F0502020204030204" pitchFamily="34" charset="0"/>
+                <a:cs typeface="Arial" panose="020B0604020202020204" pitchFamily="34" charset="0"/>
+              </a:rPr>
+              <a:t>.</a:t>
+            </a:r>
+            <a:r>
+              <a:rPr lang="en-US" sz="1400" b="1" dirty="0" err="1">
+                <a:solidFill>
+                  <a:srgbClr val="660E7A"/>
+                </a:solidFill>
+                <a:latin typeface="Calibri" panose="020F0502020204030204" pitchFamily="34" charset="0"/>
+                <a:ea typeface="Calibri" panose="020F0502020204030204" pitchFamily="34" charset="0"/>
+                <a:cs typeface="Arial" panose="020B0604020202020204" pitchFamily="34" charset="0"/>
+              </a:rPr>
+              <a:t>selected</a:t>
+            </a:r>
+            <a:r>
+              <a:rPr lang="en-US" sz="1400" b="1" dirty="0">
+                <a:solidFill>
+                  <a:srgbClr val="660E7A"/>
+                </a:solidFill>
+                <a:latin typeface="Calibri" panose="020F0502020204030204" pitchFamily="34" charset="0"/>
+                <a:ea typeface="Calibri" panose="020F0502020204030204" pitchFamily="34" charset="0"/>
+                <a:cs typeface="Arial" panose="020B0604020202020204" pitchFamily="34" charset="0"/>
+              </a:rPr>
+              <a:t> </a:t>
+            </a:r>
+            <a:r>
+              <a:rPr lang="en-US" sz="1400" dirty="0">
+                <a:solidFill>
+                  <a:srgbClr val="000000"/>
+                </a:solidFill>
+                <a:latin typeface="Calibri" panose="020F0502020204030204" pitchFamily="34" charset="0"/>
+                <a:ea typeface="Calibri" panose="020F0502020204030204" pitchFamily="34" charset="0"/>
+                <a:cs typeface="Arial" panose="020B0604020202020204" pitchFamily="34" charset="0"/>
+              </a:rPr>
+              <a:t>= [];</a:t>
+            </a:r>
+            <a:br>
+              <a:rPr lang="en-US" sz="1400" dirty="0">
+                <a:solidFill>
+                  <a:srgbClr val="000000"/>
+                </a:solidFill>
+                <a:latin typeface="Calibri" panose="020F0502020204030204" pitchFamily="34" charset="0"/>
+                <a:ea typeface="Calibri" panose="020F0502020204030204" pitchFamily="34" charset="0"/>
+                <a:cs typeface="Arial" panose="020B0604020202020204" pitchFamily="34" charset="0"/>
+              </a:rPr>
+            </a:br>
+            <a:r>
+              <a:rPr lang="en-US" sz="1400" dirty="0">
+                <a:solidFill>
+                  <a:srgbClr val="000000"/>
+                </a:solidFill>
+                <a:latin typeface="Calibri" panose="020F0502020204030204" pitchFamily="34" charset="0"/>
+                <a:ea typeface="Calibri" panose="020F0502020204030204" pitchFamily="34" charset="0"/>
+                <a:cs typeface="Arial" panose="020B0604020202020204" pitchFamily="34" charset="0"/>
+              </a:rPr>
+              <a:t>    }</a:t>
+            </a:r>
+            <a:br>
+              <a:rPr lang="en-US" sz="1400" dirty="0">
+                <a:solidFill>
+                  <a:srgbClr val="000000"/>
+                </a:solidFill>
+                <a:latin typeface="Calibri" panose="020F0502020204030204" pitchFamily="34" charset="0"/>
+                <a:ea typeface="Calibri" panose="020F0502020204030204" pitchFamily="34" charset="0"/>
+                <a:cs typeface="Arial" panose="020B0604020202020204" pitchFamily="34" charset="0"/>
+              </a:rPr>
+            </a:br>
+            <a:br>
+              <a:rPr lang="en-US" sz="1400" dirty="0">
+                <a:solidFill>
+                  <a:srgbClr val="000000"/>
+                </a:solidFill>
+                <a:latin typeface="Calibri" panose="020F0502020204030204" pitchFamily="34" charset="0"/>
+                <a:ea typeface="Calibri" panose="020F0502020204030204" pitchFamily="34" charset="0"/>
+                <a:cs typeface="Arial" panose="020B0604020202020204" pitchFamily="34" charset="0"/>
+              </a:rPr>
+            </a:br>
+            <a:r>
+              <a:rPr lang="en-US" sz="1400" dirty="0">
+                <a:solidFill>
+                  <a:srgbClr val="000000"/>
+                </a:solidFill>
+                <a:latin typeface="Calibri" panose="020F0502020204030204" pitchFamily="34" charset="0"/>
+                <a:ea typeface="Calibri" panose="020F0502020204030204" pitchFamily="34" charset="0"/>
+                <a:cs typeface="Arial" panose="020B0604020202020204" pitchFamily="34" charset="0"/>
+              </a:rPr>
+              <a:t>    </a:t>
+            </a:r>
+            <a:r>
+              <a:rPr lang="en-US" sz="1400" dirty="0" err="1">
+                <a:solidFill>
+                  <a:srgbClr val="7A7A43"/>
+                </a:solidFill>
+                <a:latin typeface="Calibri" panose="020F0502020204030204" pitchFamily="34" charset="0"/>
+                <a:ea typeface="Calibri" panose="020F0502020204030204" pitchFamily="34" charset="0"/>
+                <a:cs typeface="Arial" panose="020B0604020202020204" pitchFamily="34" charset="0"/>
+              </a:rPr>
+              <a:t>changeSelection</a:t>
+            </a:r>
+            <a:r>
+              <a:rPr lang="en-US" sz="1400" dirty="0">
+                <a:solidFill>
+                  <a:srgbClr val="000000"/>
+                </a:solidFill>
+                <a:latin typeface="Calibri" panose="020F0502020204030204" pitchFamily="34" charset="0"/>
+                <a:ea typeface="Calibri" panose="020F0502020204030204" pitchFamily="34" charset="0"/>
+                <a:cs typeface="Arial" panose="020B0604020202020204" pitchFamily="34" charset="0"/>
+              </a:rPr>
+              <a:t>(contact, selected) {…}</a:t>
+            </a:r>
+            <a:br>
+              <a:rPr lang="en-US" sz="1400" dirty="0">
+                <a:solidFill>
+                  <a:srgbClr val="000000"/>
+                </a:solidFill>
+                <a:latin typeface="Calibri" panose="020F0502020204030204" pitchFamily="34" charset="0"/>
+                <a:ea typeface="Calibri" panose="020F0502020204030204" pitchFamily="34" charset="0"/>
+                <a:cs typeface="Arial" panose="020B0604020202020204" pitchFamily="34" charset="0"/>
+              </a:rPr>
+            </a:br>
+            <a:r>
+              <a:rPr lang="en-US" sz="1400" dirty="0">
+                <a:solidFill>
+                  <a:srgbClr val="000000"/>
+                </a:solidFill>
+                <a:latin typeface="Calibri" panose="020F0502020204030204" pitchFamily="34" charset="0"/>
+                <a:ea typeface="Calibri" panose="020F0502020204030204" pitchFamily="34" charset="0"/>
+                <a:cs typeface="Arial" panose="020B0604020202020204" pitchFamily="34" charset="0"/>
+              </a:rPr>
+              <a:t>}</a:t>
+            </a:r>
+            <a:br>
+              <a:rPr lang="en-US" sz="1400" dirty="0">
+                <a:solidFill>
+                  <a:srgbClr val="000000"/>
+                </a:solidFill>
+                <a:latin typeface="Calibri" panose="020F0502020204030204" pitchFamily="34" charset="0"/>
+                <a:ea typeface="Calibri" panose="020F0502020204030204" pitchFamily="34" charset="0"/>
+                <a:cs typeface="Arial" panose="020B0604020202020204" pitchFamily="34" charset="0"/>
+              </a:rPr>
+            </a:br>
+            <a:br>
+              <a:rPr lang="en-US" sz="1400" dirty="0">
+                <a:solidFill>
+                  <a:srgbClr val="000000"/>
+                </a:solidFill>
+                <a:latin typeface="Calibri" panose="020F0502020204030204" pitchFamily="34" charset="0"/>
+                <a:ea typeface="Calibri" panose="020F0502020204030204" pitchFamily="34" charset="0"/>
+                <a:cs typeface="Arial" panose="020B0604020202020204" pitchFamily="34" charset="0"/>
+              </a:rPr>
+            </a:br>
+            <a:r>
+              <a:rPr lang="en-US" sz="1400" b="1" dirty="0">
+                <a:solidFill>
+                  <a:srgbClr val="000080"/>
+                </a:solidFill>
+                <a:latin typeface="Calibri" panose="020F0502020204030204" pitchFamily="34" charset="0"/>
+                <a:ea typeface="Calibri" panose="020F0502020204030204" pitchFamily="34" charset="0"/>
+                <a:cs typeface="Arial" panose="020B0604020202020204" pitchFamily="34" charset="0"/>
+              </a:rPr>
+              <a:t>export interface </a:t>
+            </a:r>
+            <a:r>
+              <a:rPr lang="en-US" sz="1400" dirty="0">
+                <a:solidFill>
+                  <a:srgbClr val="000000"/>
+                </a:solidFill>
+                <a:latin typeface="Calibri" panose="020F0502020204030204" pitchFamily="34" charset="0"/>
+                <a:ea typeface="Calibri" panose="020F0502020204030204" pitchFamily="34" charset="0"/>
+                <a:cs typeface="Arial" panose="020B0604020202020204" pitchFamily="34" charset="0"/>
+              </a:rPr>
+              <a:t>Contact {</a:t>
+            </a:r>
+            <a:br>
+              <a:rPr lang="en-US" sz="1400" dirty="0">
+                <a:solidFill>
+                  <a:srgbClr val="000000"/>
+                </a:solidFill>
+                <a:latin typeface="Calibri" panose="020F0502020204030204" pitchFamily="34" charset="0"/>
+                <a:ea typeface="Calibri" panose="020F0502020204030204" pitchFamily="34" charset="0"/>
+                <a:cs typeface="Arial" panose="020B0604020202020204" pitchFamily="34" charset="0"/>
+              </a:rPr>
+            </a:br>
+            <a:r>
+              <a:rPr lang="en-US" sz="1400" dirty="0">
+                <a:solidFill>
+                  <a:srgbClr val="000000"/>
+                </a:solidFill>
+                <a:latin typeface="Calibri" panose="020F0502020204030204" pitchFamily="34" charset="0"/>
+                <a:ea typeface="Calibri" panose="020F0502020204030204" pitchFamily="34" charset="0"/>
+                <a:cs typeface="Arial" panose="020B0604020202020204" pitchFamily="34" charset="0"/>
+              </a:rPr>
+              <a:t>    </a:t>
+            </a:r>
+            <a:r>
+              <a:rPr lang="en-US" sz="1400" b="1" dirty="0">
+                <a:solidFill>
+                  <a:srgbClr val="660E7A"/>
+                </a:solidFill>
+                <a:latin typeface="Calibri" panose="020F0502020204030204" pitchFamily="34" charset="0"/>
+                <a:ea typeface="Calibri" panose="020F0502020204030204" pitchFamily="34" charset="0"/>
+                <a:cs typeface="Arial" panose="020B0604020202020204" pitchFamily="34" charset="0"/>
+              </a:rPr>
+              <a:t>id</a:t>
+            </a:r>
+            <a:r>
+              <a:rPr lang="en-US" sz="1400" dirty="0">
+                <a:solidFill>
+                  <a:srgbClr val="000000"/>
+                </a:solidFill>
+                <a:latin typeface="Calibri" panose="020F0502020204030204" pitchFamily="34" charset="0"/>
+                <a:ea typeface="Calibri" panose="020F0502020204030204" pitchFamily="34" charset="0"/>
+                <a:cs typeface="Arial" panose="020B0604020202020204" pitchFamily="34" charset="0"/>
+              </a:rPr>
+              <a:t>: </a:t>
+            </a:r>
+            <a:r>
+              <a:rPr lang="en-US" sz="1400" b="1" dirty="0">
+                <a:solidFill>
+                  <a:srgbClr val="000080"/>
+                </a:solidFill>
+                <a:latin typeface="Calibri" panose="020F0502020204030204" pitchFamily="34" charset="0"/>
+                <a:ea typeface="Calibri" panose="020F0502020204030204" pitchFamily="34" charset="0"/>
+                <a:cs typeface="Arial" panose="020B0604020202020204" pitchFamily="34" charset="0"/>
+              </a:rPr>
+              <a:t>number</a:t>
+            </a:r>
+            <a:r>
+              <a:rPr lang="en-US" sz="1400" dirty="0">
+                <a:solidFill>
+                  <a:srgbClr val="000000"/>
+                </a:solidFill>
+                <a:latin typeface="Calibri" panose="020F0502020204030204" pitchFamily="34" charset="0"/>
+                <a:ea typeface="Calibri" panose="020F0502020204030204" pitchFamily="34" charset="0"/>
+                <a:cs typeface="Arial" panose="020B0604020202020204" pitchFamily="34" charset="0"/>
+              </a:rPr>
+              <a:t>;</a:t>
+            </a:r>
+            <a:br>
+              <a:rPr lang="en-US" sz="1400" dirty="0">
+                <a:solidFill>
+                  <a:srgbClr val="000000"/>
+                </a:solidFill>
+                <a:latin typeface="Calibri" panose="020F0502020204030204" pitchFamily="34" charset="0"/>
+                <a:ea typeface="Calibri" panose="020F0502020204030204" pitchFamily="34" charset="0"/>
+                <a:cs typeface="Arial" panose="020B0604020202020204" pitchFamily="34" charset="0"/>
+              </a:rPr>
+            </a:br>
+            <a:r>
+              <a:rPr lang="en-US" sz="1400" dirty="0">
+                <a:solidFill>
+                  <a:srgbClr val="000000"/>
+                </a:solidFill>
+                <a:latin typeface="Calibri" panose="020F0502020204030204" pitchFamily="34" charset="0"/>
+                <a:ea typeface="Calibri" panose="020F0502020204030204" pitchFamily="34" charset="0"/>
+                <a:cs typeface="Arial" panose="020B0604020202020204" pitchFamily="34" charset="0"/>
+              </a:rPr>
+              <a:t>    </a:t>
+            </a:r>
+            <a:r>
+              <a:rPr lang="en-US" sz="1400" b="1" dirty="0">
+                <a:solidFill>
+                  <a:srgbClr val="660E7A"/>
+                </a:solidFill>
+                <a:latin typeface="Calibri" panose="020F0502020204030204" pitchFamily="34" charset="0"/>
+                <a:ea typeface="Calibri" panose="020F0502020204030204" pitchFamily="34" charset="0"/>
+                <a:cs typeface="Arial" panose="020B0604020202020204" pitchFamily="34" charset="0"/>
+              </a:rPr>
+              <a:t>name</a:t>
+            </a:r>
+            <a:r>
+              <a:rPr lang="en-US" sz="1400" dirty="0">
+                <a:solidFill>
+                  <a:srgbClr val="000000"/>
+                </a:solidFill>
+                <a:latin typeface="Calibri" panose="020F0502020204030204" pitchFamily="34" charset="0"/>
+                <a:ea typeface="Calibri" panose="020F0502020204030204" pitchFamily="34" charset="0"/>
+                <a:cs typeface="Arial" panose="020B0604020202020204" pitchFamily="34" charset="0"/>
+              </a:rPr>
+              <a:t>: </a:t>
+            </a:r>
+            <a:r>
+              <a:rPr lang="en-US" sz="1400" b="1" dirty="0">
+                <a:solidFill>
+                  <a:srgbClr val="000080"/>
+                </a:solidFill>
+                <a:latin typeface="Calibri" panose="020F0502020204030204" pitchFamily="34" charset="0"/>
+                <a:ea typeface="Calibri" panose="020F0502020204030204" pitchFamily="34" charset="0"/>
+                <a:cs typeface="Arial" panose="020B0604020202020204" pitchFamily="34" charset="0"/>
+              </a:rPr>
+              <a:t>string</a:t>
+            </a:r>
+            <a:r>
+              <a:rPr lang="en-US" sz="1400" dirty="0">
+                <a:solidFill>
+                  <a:srgbClr val="000000"/>
+                </a:solidFill>
+                <a:latin typeface="Calibri" panose="020F0502020204030204" pitchFamily="34" charset="0"/>
+                <a:ea typeface="Calibri" panose="020F0502020204030204" pitchFamily="34" charset="0"/>
+                <a:cs typeface="Arial" panose="020B0604020202020204" pitchFamily="34" charset="0"/>
+              </a:rPr>
+              <a:t>;</a:t>
+            </a:r>
+            <a:br>
+              <a:rPr lang="en-US" sz="1400" dirty="0">
+                <a:solidFill>
+                  <a:srgbClr val="000000"/>
+                </a:solidFill>
+                <a:latin typeface="Calibri" panose="020F0502020204030204" pitchFamily="34" charset="0"/>
+                <a:ea typeface="Calibri" panose="020F0502020204030204" pitchFamily="34" charset="0"/>
+                <a:cs typeface="Arial" panose="020B0604020202020204" pitchFamily="34" charset="0"/>
+              </a:rPr>
+            </a:br>
+            <a:r>
+              <a:rPr lang="en-US" sz="1400" dirty="0">
+                <a:solidFill>
+                  <a:srgbClr val="000000"/>
+                </a:solidFill>
+                <a:latin typeface="Calibri" panose="020F0502020204030204" pitchFamily="34" charset="0"/>
+                <a:ea typeface="Calibri" panose="020F0502020204030204" pitchFamily="34" charset="0"/>
+                <a:cs typeface="Arial" panose="020B0604020202020204" pitchFamily="34" charset="0"/>
+              </a:rPr>
+              <a:t>    </a:t>
+            </a:r>
+            <a:r>
+              <a:rPr lang="en-US" sz="1400" b="1" dirty="0">
+                <a:solidFill>
+                  <a:srgbClr val="660E7A"/>
+                </a:solidFill>
+                <a:latin typeface="Calibri" panose="020F0502020204030204" pitchFamily="34" charset="0"/>
+                <a:ea typeface="Calibri" panose="020F0502020204030204" pitchFamily="34" charset="0"/>
+                <a:cs typeface="Arial" panose="020B0604020202020204" pitchFamily="34" charset="0"/>
+              </a:rPr>
+              <a:t>selected</a:t>
+            </a:r>
+            <a:r>
+              <a:rPr lang="en-US" sz="1400" dirty="0">
+                <a:solidFill>
+                  <a:srgbClr val="000000"/>
+                </a:solidFill>
+                <a:latin typeface="Calibri" panose="020F0502020204030204" pitchFamily="34" charset="0"/>
+                <a:ea typeface="Calibri" panose="020F0502020204030204" pitchFamily="34" charset="0"/>
+                <a:cs typeface="Arial" panose="020B0604020202020204" pitchFamily="34" charset="0"/>
+              </a:rPr>
+              <a:t>?: </a:t>
+            </a:r>
+            <a:r>
+              <a:rPr lang="en-US" sz="1400" b="1" dirty="0" err="1">
+                <a:solidFill>
+                  <a:srgbClr val="000080"/>
+                </a:solidFill>
+                <a:latin typeface="Calibri" panose="020F0502020204030204" pitchFamily="34" charset="0"/>
+                <a:ea typeface="Calibri" panose="020F0502020204030204" pitchFamily="34" charset="0"/>
+                <a:cs typeface="Arial" panose="020B0604020202020204" pitchFamily="34" charset="0"/>
+              </a:rPr>
+              <a:t>boolean</a:t>
+            </a:r>
+            <a:r>
+              <a:rPr lang="en-US" sz="1400" dirty="0">
+                <a:solidFill>
+                  <a:srgbClr val="000000"/>
+                </a:solidFill>
+                <a:latin typeface="Calibri" panose="020F0502020204030204" pitchFamily="34" charset="0"/>
+                <a:ea typeface="Calibri" panose="020F0502020204030204" pitchFamily="34" charset="0"/>
+                <a:cs typeface="Arial" panose="020B0604020202020204" pitchFamily="34" charset="0"/>
+              </a:rPr>
+              <a:t>;</a:t>
+            </a:r>
+            <a:br>
+              <a:rPr lang="en-US" sz="1400" dirty="0">
+                <a:solidFill>
+                  <a:srgbClr val="000000"/>
+                </a:solidFill>
+                <a:latin typeface="Calibri" panose="020F0502020204030204" pitchFamily="34" charset="0"/>
+                <a:ea typeface="Calibri" panose="020F0502020204030204" pitchFamily="34" charset="0"/>
+                <a:cs typeface="Arial" panose="020B0604020202020204" pitchFamily="34" charset="0"/>
+              </a:rPr>
+            </a:br>
+            <a:r>
+              <a:rPr lang="en-US" sz="1400" dirty="0">
+                <a:solidFill>
+                  <a:srgbClr val="000000"/>
+                </a:solidFill>
+                <a:latin typeface="Calibri" panose="020F0502020204030204" pitchFamily="34" charset="0"/>
+                <a:ea typeface="Calibri" panose="020F0502020204030204" pitchFamily="34" charset="0"/>
+                <a:cs typeface="Arial" panose="020B0604020202020204" pitchFamily="34" charset="0"/>
+              </a:rPr>
+              <a:t>}</a:t>
+            </a:r>
+            <a:endParaRPr lang="he-IL" sz="1400" dirty="0"/>
+          </a:p>
+        </p:txBody>
+      </p:sp>
+      <p:sp>
+        <p:nvSpPr>
+          <p:cNvPr id="7" name="Rectangle 6"/>
+          <p:cNvSpPr/>
+          <p:nvPr/>
+        </p:nvSpPr>
+        <p:spPr>
+          <a:xfrm>
+            <a:off x="4355976" y="1991297"/>
+            <a:ext cx="4230216" cy="1815882"/>
+          </a:xfrm>
+          <a:prstGeom prst="rect">
+            <a:avLst/>
+          </a:prstGeom>
+          <a:solidFill>
+            <a:schemeClr val="accent1">
+              <a:lumMod val="60000"/>
+              <a:lumOff val="40000"/>
+            </a:schemeClr>
+          </a:solidFill>
+        </p:spPr>
+        <p:txBody>
+          <a:bodyPr wrap="square">
+            <a:spAutoFit/>
+          </a:bodyPr>
+          <a:lstStyle/>
+          <a:p>
+            <a:r>
+              <a:rPr lang="en-US" sz="1400" b="1" dirty="0">
+                <a:solidFill>
+                  <a:srgbClr val="000080"/>
+                </a:solidFill>
+                <a:latin typeface="Calibri" panose="020F0502020204030204" pitchFamily="34" charset="0"/>
+                <a:ea typeface="Calibri" panose="020F0502020204030204" pitchFamily="34" charset="0"/>
+                <a:cs typeface="Arial" panose="020B0604020202020204" pitchFamily="34" charset="0"/>
+              </a:rPr>
+              <a:t>export class </a:t>
+            </a:r>
+            <a:r>
+              <a:rPr lang="en-US" sz="1400" dirty="0" err="1">
+                <a:solidFill>
+                  <a:srgbClr val="000000"/>
+                </a:solidFill>
+                <a:latin typeface="Calibri" panose="020F0502020204030204" pitchFamily="34" charset="0"/>
+                <a:ea typeface="Calibri" panose="020F0502020204030204" pitchFamily="34" charset="0"/>
+                <a:cs typeface="Arial" panose="020B0604020202020204" pitchFamily="34" charset="0"/>
+              </a:rPr>
+              <a:t>ContactListComponent</a:t>
+            </a:r>
+            <a:r>
+              <a:rPr lang="en-US" sz="1400" dirty="0">
+                <a:solidFill>
+                  <a:srgbClr val="000000"/>
+                </a:solidFill>
+                <a:latin typeface="Calibri" panose="020F0502020204030204" pitchFamily="34" charset="0"/>
+                <a:ea typeface="Calibri" panose="020F0502020204030204" pitchFamily="34" charset="0"/>
+                <a:cs typeface="Arial" panose="020B0604020202020204" pitchFamily="34" charset="0"/>
+              </a:rPr>
+              <a:t> {</a:t>
+            </a:r>
+            <a:br>
+              <a:rPr lang="en-US" sz="1400" dirty="0">
+                <a:solidFill>
+                  <a:srgbClr val="000000"/>
+                </a:solidFill>
+                <a:latin typeface="Calibri" panose="020F0502020204030204" pitchFamily="34" charset="0"/>
+                <a:ea typeface="Calibri" panose="020F0502020204030204" pitchFamily="34" charset="0"/>
+                <a:cs typeface="Arial" panose="020B0604020202020204" pitchFamily="34" charset="0"/>
+              </a:rPr>
+            </a:br>
+            <a:r>
+              <a:rPr lang="en-US" sz="1400" dirty="0">
+                <a:solidFill>
+                  <a:srgbClr val="000000"/>
+                </a:solidFill>
+                <a:latin typeface="Calibri" panose="020F0502020204030204" pitchFamily="34" charset="0"/>
+                <a:ea typeface="Calibri" panose="020F0502020204030204" pitchFamily="34" charset="0"/>
+                <a:cs typeface="Arial" panose="020B0604020202020204" pitchFamily="34" charset="0"/>
+              </a:rPr>
+              <a:t>    </a:t>
+            </a:r>
+            <a:r>
+              <a:rPr lang="en-US" sz="1400" b="1" dirty="0">
+                <a:solidFill>
+                  <a:srgbClr val="000080"/>
+                </a:solidFill>
+                <a:latin typeface="Calibri" panose="020F0502020204030204" pitchFamily="34" charset="0"/>
+                <a:ea typeface="Calibri" panose="020F0502020204030204" pitchFamily="34" charset="0"/>
+                <a:cs typeface="Arial" panose="020B0604020202020204" pitchFamily="34" charset="0"/>
+              </a:rPr>
+              <a:t>constructor</a:t>
+            </a:r>
+            <a:r>
+              <a:rPr lang="en-US" sz="1400" dirty="0">
+                <a:solidFill>
+                  <a:srgbClr val="000000"/>
+                </a:solidFill>
+                <a:latin typeface="Calibri" panose="020F0502020204030204" pitchFamily="34" charset="0"/>
+                <a:ea typeface="Calibri" panose="020F0502020204030204" pitchFamily="34" charset="0"/>
+                <a:cs typeface="Arial" panose="020B0604020202020204" pitchFamily="34" charset="0"/>
+              </a:rPr>
+              <a:t>(</a:t>
+            </a:r>
+            <a:r>
+              <a:rPr lang="en-US" sz="1400" b="1" dirty="0">
+                <a:solidFill>
+                  <a:srgbClr val="000080"/>
+                </a:solidFill>
+                <a:latin typeface="Calibri" panose="020F0502020204030204" pitchFamily="34" charset="0"/>
+                <a:ea typeface="Calibri" panose="020F0502020204030204" pitchFamily="34" charset="0"/>
+                <a:cs typeface="Arial" panose="020B0604020202020204" pitchFamily="34" charset="0"/>
+              </a:rPr>
+              <a:t>private </a:t>
+            </a:r>
+            <a:r>
+              <a:rPr lang="en-US" sz="1400" dirty="0" err="1">
+                <a:solidFill>
+                  <a:srgbClr val="000000"/>
+                </a:solidFill>
+                <a:latin typeface="Calibri" panose="020F0502020204030204" pitchFamily="34" charset="0"/>
+                <a:ea typeface="Calibri" panose="020F0502020204030204" pitchFamily="34" charset="0"/>
+                <a:cs typeface="Arial" panose="020B0604020202020204" pitchFamily="34" charset="0"/>
+              </a:rPr>
+              <a:t>contactService</a:t>
+            </a:r>
+            <a:r>
+              <a:rPr lang="en-US" sz="1400" dirty="0">
+                <a:solidFill>
+                  <a:srgbClr val="000000"/>
+                </a:solidFill>
+                <a:latin typeface="Calibri" panose="020F0502020204030204" pitchFamily="34" charset="0"/>
+                <a:ea typeface="Calibri" panose="020F0502020204030204" pitchFamily="34" charset="0"/>
+                <a:cs typeface="Arial" panose="020B0604020202020204" pitchFamily="34" charset="0"/>
+              </a:rPr>
+              <a:t>: </a:t>
+            </a:r>
+            <a:r>
+              <a:rPr lang="en-US" sz="1400" dirty="0" err="1">
+                <a:solidFill>
+                  <a:srgbClr val="000000"/>
+                </a:solidFill>
+                <a:latin typeface="Calibri" panose="020F0502020204030204" pitchFamily="34" charset="0"/>
+                <a:ea typeface="Calibri" panose="020F0502020204030204" pitchFamily="34" charset="0"/>
+                <a:cs typeface="Arial" panose="020B0604020202020204" pitchFamily="34" charset="0"/>
+              </a:rPr>
+              <a:t>ContactService</a:t>
+            </a:r>
+            <a:r>
+              <a:rPr lang="en-US" sz="1400" dirty="0">
+                <a:solidFill>
+                  <a:srgbClr val="000000"/>
+                </a:solidFill>
+                <a:latin typeface="Calibri" panose="020F0502020204030204" pitchFamily="34" charset="0"/>
+                <a:ea typeface="Calibri" panose="020F0502020204030204" pitchFamily="34" charset="0"/>
+                <a:cs typeface="Arial" panose="020B0604020202020204" pitchFamily="34" charset="0"/>
+              </a:rPr>
+              <a:t>) {</a:t>
+            </a:r>
+            <a:br>
+              <a:rPr lang="en-US" sz="1400" dirty="0">
+                <a:solidFill>
+                  <a:srgbClr val="000000"/>
+                </a:solidFill>
+                <a:latin typeface="Calibri" panose="020F0502020204030204" pitchFamily="34" charset="0"/>
+                <a:ea typeface="Calibri" panose="020F0502020204030204" pitchFamily="34" charset="0"/>
+                <a:cs typeface="Arial" panose="020B0604020202020204" pitchFamily="34" charset="0"/>
+              </a:rPr>
+            </a:br>
+            <a:r>
+              <a:rPr lang="en-US" sz="1400" dirty="0">
+                <a:solidFill>
+                  <a:srgbClr val="000000"/>
+                </a:solidFill>
+                <a:latin typeface="Calibri" panose="020F0502020204030204" pitchFamily="34" charset="0"/>
+                <a:ea typeface="Calibri" panose="020F0502020204030204" pitchFamily="34" charset="0"/>
+                <a:cs typeface="Arial" panose="020B0604020202020204" pitchFamily="34" charset="0"/>
+              </a:rPr>
+              <a:t>    }</a:t>
+            </a:r>
+            <a:br>
+              <a:rPr lang="en-US" sz="1400" dirty="0">
+                <a:solidFill>
+                  <a:srgbClr val="000000"/>
+                </a:solidFill>
+                <a:latin typeface="Calibri" panose="020F0502020204030204" pitchFamily="34" charset="0"/>
+                <a:ea typeface="Calibri" panose="020F0502020204030204" pitchFamily="34" charset="0"/>
+                <a:cs typeface="Arial" panose="020B0604020202020204" pitchFamily="34" charset="0"/>
+              </a:rPr>
+            </a:br>
+            <a:br>
+              <a:rPr lang="en-US" sz="1400" dirty="0">
+                <a:solidFill>
+                  <a:srgbClr val="000000"/>
+                </a:solidFill>
+                <a:latin typeface="Calibri" panose="020F0502020204030204" pitchFamily="34" charset="0"/>
+                <a:ea typeface="Calibri" panose="020F0502020204030204" pitchFamily="34" charset="0"/>
+                <a:cs typeface="Arial" panose="020B0604020202020204" pitchFamily="34" charset="0"/>
+              </a:rPr>
+            </a:br>
+            <a:r>
+              <a:rPr lang="en-US" sz="1400" dirty="0">
+                <a:solidFill>
+                  <a:srgbClr val="000000"/>
+                </a:solidFill>
+                <a:latin typeface="Calibri" panose="020F0502020204030204" pitchFamily="34" charset="0"/>
+                <a:ea typeface="Calibri" panose="020F0502020204030204" pitchFamily="34" charset="0"/>
+                <a:cs typeface="Arial" panose="020B0604020202020204" pitchFamily="34" charset="0"/>
+              </a:rPr>
+              <a:t>    </a:t>
+            </a:r>
+            <a:r>
+              <a:rPr lang="en-US" sz="1400" b="1" dirty="0">
+                <a:solidFill>
+                  <a:srgbClr val="000080"/>
+                </a:solidFill>
+                <a:latin typeface="Calibri" panose="020F0502020204030204" pitchFamily="34" charset="0"/>
+                <a:ea typeface="Calibri" panose="020F0502020204030204" pitchFamily="34" charset="0"/>
+                <a:cs typeface="Arial" panose="020B0604020202020204" pitchFamily="34" charset="0"/>
+              </a:rPr>
+              <a:t>get </a:t>
+            </a:r>
+            <a:r>
+              <a:rPr lang="en-US" sz="1400" dirty="0">
+                <a:solidFill>
+                  <a:srgbClr val="7A7A43"/>
+                </a:solidFill>
+                <a:latin typeface="Calibri" panose="020F0502020204030204" pitchFamily="34" charset="0"/>
+                <a:ea typeface="Calibri" panose="020F0502020204030204" pitchFamily="34" charset="0"/>
+                <a:cs typeface="Arial" panose="020B0604020202020204" pitchFamily="34" charset="0"/>
+              </a:rPr>
+              <a:t>contacts</a:t>
+            </a:r>
+            <a:r>
+              <a:rPr lang="en-US" sz="1400" dirty="0">
+                <a:solidFill>
+                  <a:srgbClr val="000000"/>
+                </a:solidFill>
+                <a:latin typeface="Calibri" panose="020F0502020204030204" pitchFamily="34" charset="0"/>
+                <a:ea typeface="Calibri" panose="020F0502020204030204" pitchFamily="34" charset="0"/>
+                <a:cs typeface="Arial" panose="020B0604020202020204" pitchFamily="34" charset="0"/>
+              </a:rPr>
+              <a:t>() {</a:t>
+            </a:r>
+            <a:br>
+              <a:rPr lang="en-US" sz="1400" dirty="0">
+                <a:solidFill>
+                  <a:srgbClr val="000000"/>
+                </a:solidFill>
+                <a:latin typeface="Calibri" panose="020F0502020204030204" pitchFamily="34" charset="0"/>
+                <a:ea typeface="Calibri" panose="020F0502020204030204" pitchFamily="34" charset="0"/>
+                <a:cs typeface="Arial" panose="020B0604020202020204" pitchFamily="34" charset="0"/>
+              </a:rPr>
+            </a:br>
+            <a:r>
+              <a:rPr lang="en-US" sz="1400" dirty="0">
+                <a:solidFill>
+                  <a:srgbClr val="000000"/>
+                </a:solidFill>
+                <a:latin typeface="Calibri" panose="020F0502020204030204" pitchFamily="34" charset="0"/>
+                <a:ea typeface="Calibri" panose="020F0502020204030204" pitchFamily="34" charset="0"/>
+                <a:cs typeface="Arial" panose="020B0604020202020204" pitchFamily="34" charset="0"/>
+              </a:rPr>
+              <a:t>        </a:t>
+            </a:r>
+            <a:r>
+              <a:rPr lang="en-US" sz="1400" b="1" dirty="0">
+                <a:solidFill>
+                  <a:srgbClr val="000080"/>
+                </a:solidFill>
+                <a:latin typeface="Calibri" panose="020F0502020204030204" pitchFamily="34" charset="0"/>
+                <a:ea typeface="Calibri" panose="020F0502020204030204" pitchFamily="34" charset="0"/>
+                <a:cs typeface="Arial" panose="020B0604020202020204" pitchFamily="34" charset="0"/>
+              </a:rPr>
+              <a:t>return </a:t>
+            </a:r>
+            <a:r>
+              <a:rPr lang="en-US" sz="1400" b="1" dirty="0" err="1">
+                <a:solidFill>
+                  <a:srgbClr val="000080"/>
+                </a:solidFill>
+                <a:latin typeface="Calibri" panose="020F0502020204030204" pitchFamily="34" charset="0"/>
+                <a:ea typeface="Calibri" panose="020F0502020204030204" pitchFamily="34" charset="0"/>
+                <a:cs typeface="Arial" panose="020B0604020202020204" pitchFamily="34" charset="0"/>
+              </a:rPr>
+              <a:t>this</a:t>
+            </a:r>
+            <a:r>
+              <a:rPr lang="en-US" sz="1400" dirty="0" err="1">
+                <a:solidFill>
+                  <a:srgbClr val="000000"/>
+                </a:solidFill>
+                <a:latin typeface="Calibri" panose="020F0502020204030204" pitchFamily="34" charset="0"/>
+                <a:ea typeface="Calibri" panose="020F0502020204030204" pitchFamily="34" charset="0"/>
+                <a:cs typeface="Arial" panose="020B0604020202020204" pitchFamily="34" charset="0"/>
+              </a:rPr>
+              <a:t>.contactService.</a:t>
+            </a:r>
+            <a:r>
+              <a:rPr lang="en-US" sz="1400" b="1" dirty="0" err="1">
+                <a:solidFill>
+                  <a:srgbClr val="660E7A"/>
+                </a:solidFill>
+                <a:latin typeface="Calibri" panose="020F0502020204030204" pitchFamily="34" charset="0"/>
+                <a:ea typeface="Calibri" panose="020F0502020204030204" pitchFamily="34" charset="0"/>
+                <a:cs typeface="Arial" panose="020B0604020202020204" pitchFamily="34" charset="0"/>
+              </a:rPr>
+              <a:t>contacts</a:t>
+            </a:r>
+            <a:r>
+              <a:rPr lang="en-US" sz="1400" dirty="0">
+                <a:solidFill>
+                  <a:srgbClr val="000000"/>
+                </a:solidFill>
+                <a:latin typeface="Calibri" panose="020F0502020204030204" pitchFamily="34" charset="0"/>
+                <a:ea typeface="Calibri" panose="020F0502020204030204" pitchFamily="34" charset="0"/>
+                <a:cs typeface="Arial" panose="020B0604020202020204" pitchFamily="34" charset="0"/>
+              </a:rPr>
+              <a:t>;</a:t>
+            </a:r>
+            <a:br>
+              <a:rPr lang="en-US" sz="1400" dirty="0">
+                <a:solidFill>
+                  <a:srgbClr val="000000"/>
+                </a:solidFill>
+                <a:latin typeface="Calibri" panose="020F0502020204030204" pitchFamily="34" charset="0"/>
+                <a:ea typeface="Calibri" panose="020F0502020204030204" pitchFamily="34" charset="0"/>
+                <a:cs typeface="Arial" panose="020B0604020202020204" pitchFamily="34" charset="0"/>
+              </a:rPr>
+            </a:br>
+            <a:r>
+              <a:rPr lang="en-US" sz="1400" dirty="0">
+                <a:solidFill>
+                  <a:srgbClr val="000000"/>
+                </a:solidFill>
+                <a:latin typeface="Calibri" panose="020F0502020204030204" pitchFamily="34" charset="0"/>
+                <a:ea typeface="Calibri" panose="020F0502020204030204" pitchFamily="34" charset="0"/>
+                <a:cs typeface="Arial" panose="020B0604020202020204" pitchFamily="34" charset="0"/>
+              </a:rPr>
+              <a:t>    }</a:t>
+            </a:r>
+            <a:br>
+              <a:rPr lang="en-US" sz="1400" dirty="0">
+                <a:solidFill>
+                  <a:srgbClr val="000000"/>
+                </a:solidFill>
+                <a:latin typeface="Calibri" panose="020F0502020204030204" pitchFamily="34" charset="0"/>
+                <a:ea typeface="Calibri" panose="020F0502020204030204" pitchFamily="34" charset="0"/>
+                <a:cs typeface="Arial" panose="020B0604020202020204" pitchFamily="34" charset="0"/>
+              </a:rPr>
+            </a:br>
+            <a:r>
+              <a:rPr lang="en-US" sz="1400" dirty="0">
+                <a:solidFill>
+                  <a:srgbClr val="000000"/>
+                </a:solidFill>
+                <a:latin typeface="Calibri" panose="020F0502020204030204" pitchFamily="34" charset="0"/>
+                <a:ea typeface="Calibri" panose="020F0502020204030204" pitchFamily="34" charset="0"/>
+                <a:cs typeface="Arial" panose="020B0604020202020204" pitchFamily="34" charset="0"/>
+              </a:rPr>
+              <a:t>}</a:t>
+            </a:r>
+            <a:endParaRPr lang="he-IL" sz="1400" dirty="0"/>
+          </a:p>
+        </p:txBody>
+      </p:sp>
+      <p:sp>
+        <p:nvSpPr>
+          <p:cNvPr id="8" name="Rectangle 7"/>
+          <p:cNvSpPr/>
+          <p:nvPr/>
+        </p:nvSpPr>
+        <p:spPr>
+          <a:xfrm>
+            <a:off x="4355976" y="4077072"/>
+            <a:ext cx="4572000" cy="2246769"/>
+          </a:xfrm>
+          <a:prstGeom prst="rect">
+            <a:avLst/>
+          </a:prstGeom>
+          <a:solidFill>
+            <a:schemeClr val="accent1">
+              <a:lumMod val="60000"/>
+              <a:lumOff val="40000"/>
+            </a:schemeClr>
+          </a:solidFill>
+        </p:spPr>
+        <p:txBody>
+          <a:bodyPr>
+            <a:spAutoFit/>
+          </a:bodyPr>
+          <a:lstStyle/>
+          <a:p>
+            <a:r>
+              <a:rPr lang="en-US" sz="1400" b="1" dirty="0">
+                <a:solidFill>
+                  <a:srgbClr val="000080"/>
+                </a:solidFill>
+                <a:latin typeface="Calibri" panose="020F0502020204030204" pitchFamily="34" charset="0"/>
+                <a:ea typeface="Calibri" panose="020F0502020204030204" pitchFamily="34" charset="0"/>
+                <a:cs typeface="Arial" panose="020B0604020202020204" pitchFamily="34" charset="0"/>
+              </a:rPr>
+              <a:t>export class </a:t>
+            </a:r>
+            <a:r>
+              <a:rPr lang="en-US" sz="1400" dirty="0" err="1">
+                <a:solidFill>
+                  <a:srgbClr val="000000"/>
+                </a:solidFill>
+                <a:latin typeface="Calibri" panose="020F0502020204030204" pitchFamily="34" charset="0"/>
+                <a:ea typeface="Calibri" panose="020F0502020204030204" pitchFamily="34" charset="0"/>
+                <a:cs typeface="Arial" panose="020B0604020202020204" pitchFamily="34" charset="0"/>
+              </a:rPr>
+              <a:t>ContactListItemComponent</a:t>
+            </a:r>
+            <a:r>
+              <a:rPr lang="en-US" sz="1400" dirty="0">
+                <a:solidFill>
+                  <a:srgbClr val="000000"/>
+                </a:solidFill>
+                <a:latin typeface="Calibri" panose="020F0502020204030204" pitchFamily="34" charset="0"/>
+                <a:ea typeface="Calibri" panose="020F0502020204030204" pitchFamily="34" charset="0"/>
+                <a:cs typeface="Arial" panose="020B0604020202020204" pitchFamily="34" charset="0"/>
+              </a:rPr>
+              <a:t> {</a:t>
+            </a:r>
+            <a:br>
+              <a:rPr lang="en-US" sz="1400" dirty="0">
+                <a:solidFill>
+                  <a:srgbClr val="000000"/>
+                </a:solidFill>
+                <a:latin typeface="Calibri" panose="020F0502020204030204" pitchFamily="34" charset="0"/>
+                <a:ea typeface="Calibri" panose="020F0502020204030204" pitchFamily="34" charset="0"/>
+                <a:cs typeface="Arial" panose="020B0604020202020204" pitchFamily="34" charset="0"/>
+              </a:rPr>
+            </a:br>
+            <a:r>
+              <a:rPr lang="en-US" sz="1400" dirty="0">
+                <a:solidFill>
+                  <a:srgbClr val="000000"/>
+                </a:solidFill>
+                <a:latin typeface="Calibri" panose="020F0502020204030204" pitchFamily="34" charset="0"/>
+                <a:ea typeface="Calibri" panose="020F0502020204030204" pitchFamily="34" charset="0"/>
+                <a:cs typeface="Arial" panose="020B0604020202020204" pitchFamily="34" charset="0"/>
+              </a:rPr>
+              <a:t>    @Input() </a:t>
+            </a:r>
+            <a:r>
+              <a:rPr lang="en-US" sz="1400" b="1" dirty="0">
+                <a:solidFill>
+                  <a:srgbClr val="660E7A"/>
+                </a:solidFill>
+                <a:latin typeface="Calibri" panose="020F0502020204030204" pitchFamily="34" charset="0"/>
+                <a:ea typeface="Calibri" panose="020F0502020204030204" pitchFamily="34" charset="0"/>
+                <a:cs typeface="Arial" panose="020B0604020202020204" pitchFamily="34" charset="0"/>
+              </a:rPr>
+              <a:t>contact</a:t>
+            </a:r>
+            <a:r>
+              <a:rPr lang="en-US" sz="1400" dirty="0">
+                <a:solidFill>
+                  <a:srgbClr val="000000"/>
+                </a:solidFill>
+                <a:latin typeface="Calibri" panose="020F0502020204030204" pitchFamily="34" charset="0"/>
+                <a:ea typeface="Calibri" panose="020F0502020204030204" pitchFamily="34" charset="0"/>
+                <a:cs typeface="Arial" panose="020B0604020202020204" pitchFamily="34" charset="0"/>
+              </a:rPr>
+              <a:t>: Contact;</a:t>
+            </a:r>
+            <a:br>
+              <a:rPr lang="en-US" sz="1400" dirty="0">
+                <a:solidFill>
+                  <a:srgbClr val="000000"/>
+                </a:solidFill>
+                <a:latin typeface="Calibri" panose="020F0502020204030204" pitchFamily="34" charset="0"/>
+                <a:ea typeface="Calibri" panose="020F0502020204030204" pitchFamily="34" charset="0"/>
+                <a:cs typeface="Arial" panose="020B0604020202020204" pitchFamily="34" charset="0"/>
+              </a:rPr>
+            </a:br>
+            <a:br>
+              <a:rPr lang="en-US" sz="1400" dirty="0">
+                <a:solidFill>
+                  <a:srgbClr val="000000"/>
+                </a:solidFill>
+                <a:latin typeface="Calibri" panose="020F0502020204030204" pitchFamily="34" charset="0"/>
+                <a:ea typeface="Calibri" panose="020F0502020204030204" pitchFamily="34" charset="0"/>
+                <a:cs typeface="Arial" panose="020B0604020202020204" pitchFamily="34" charset="0"/>
+              </a:rPr>
+            </a:br>
+            <a:r>
+              <a:rPr lang="en-US" sz="1400" dirty="0">
+                <a:solidFill>
+                  <a:srgbClr val="000000"/>
+                </a:solidFill>
+                <a:latin typeface="Calibri" panose="020F0502020204030204" pitchFamily="34" charset="0"/>
+                <a:ea typeface="Calibri" panose="020F0502020204030204" pitchFamily="34" charset="0"/>
+                <a:cs typeface="Arial" panose="020B0604020202020204" pitchFamily="34" charset="0"/>
+              </a:rPr>
+              <a:t>    </a:t>
+            </a:r>
+            <a:r>
+              <a:rPr lang="en-US" sz="1400" b="1" dirty="0">
+                <a:solidFill>
+                  <a:srgbClr val="000080"/>
+                </a:solidFill>
+                <a:latin typeface="Calibri" panose="020F0502020204030204" pitchFamily="34" charset="0"/>
+                <a:ea typeface="Calibri" panose="020F0502020204030204" pitchFamily="34" charset="0"/>
+                <a:cs typeface="Arial" panose="020B0604020202020204" pitchFamily="34" charset="0"/>
+              </a:rPr>
+              <a:t>constructor</a:t>
+            </a:r>
+            <a:r>
+              <a:rPr lang="en-US" sz="1400" dirty="0">
+                <a:solidFill>
+                  <a:srgbClr val="000000"/>
+                </a:solidFill>
+                <a:latin typeface="Calibri" panose="020F0502020204030204" pitchFamily="34" charset="0"/>
+                <a:ea typeface="Calibri" panose="020F0502020204030204" pitchFamily="34" charset="0"/>
+                <a:cs typeface="Arial" panose="020B0604020202020204" pitchFamily="34" charset="0"/>
+              </a:rPr>
+              <a:t>(</a:t>
+            </a:r>
+            <a:r>
+              <a:rPr lang="en-US" sz="1400" b="1" dirty="0">
+                <a:solidFill>
+                  <a:srgbClr val="000080"/>
+                </a:solidFill>
+                <a:latin typeface="Calibri" panose="020F0502020204030204" pitchFamily="34" charset="0"/>
+                <a:ea typeface="Calibri" panose="020F0502020204030204" pitchFamily="34" charset="0"/>
+                <a:cs typeface="Arial" panose="020B0604020202020204" pitchFamily="34" charset="0"/>
+              </a:rPr>
+              <a:t>private </a:t>
+            </a:r>
+            <a:r>
+              <a:rPr lang="en-US" sz="1400" dirty="0" err="1">
+                <a:solidFill>
+                  <a:srgbClr val="000000"/>
+                </a:solidFill>
+                <a:latin typeface="Calibri" panose="020F0502020204030204" pitchFamily="34" charset="0"/>
+                <a:ea typeface="Calibri" panose="020F0502020204030204" pitchFamily="34" charset="0"/>
+                <a:cs typeface="Arial" panose="020B0604020202020204" pitchFamily="34" charset="0"/>
+              </a:rPr>
+              <a:t>contactService</a:t>
+            </a:r>
+            <a:r>
+              <a:rPr lang="en-US" sz="1400" dirty="0">
+                <a:solidFill>
+                  <a:srgbClr val="000000"/>
+                </a:solidFill>
+                <a:latin typeface="Calibri" panose="020F0502020204030204" pitchFamily="34" charset="0"/>
+                <a:ea typeface="Calibri" panose="020F0502020204030204" pitchFamily="34" charset="0"/>
+                <a:cs typeface="Arial" panose="020B0604020202020204" pitchFamily="34" charset="0"/>
+              </a:rPr>
+              <a:t>: </a:t>
+            </a:r>
+            <a:r>
+              <a:rPr lang="en-US" sz="1400" dirty="0" err="1">
+                <a:solidFill>
+                  <a:srgbClr val="000000"/>
+                </a:solidFill>
+                <a:latin typeface="Calibri" panose="020F0502020204030204" pitchFamily="34" charset="0"/>
+                <a:ea typeface="Calibri" panose="020F0502020204030204" pitchFamily="34" charset="0"/>
+                <a:cs typeface="Arial" panose="020B0604020202020204" pitchFamily="34" charset="0"/>
+              </a:rPr>
+              <a:t>ContactService</a:t>
+            </a:r>
+            <a:r>
+              <a:rPr lang="en-US" sz="1400" dirty="0">
+                <a:solidFill>
+                  <a:srgbClr val="000000"/>
+                </a:solidFill>
+                <a:latin typeface="Calibri" panose="020F0502020204030204" pitchFamily="34" charset="0"/>
+                <a:ea typeface="Calibri" panose="020F0502020204030204" pitchFamily="34" charset="0"/>
+                <a:cs typeface="Arial" panose="020B0604020202020204" pitchFamily="34" charset="0"/>
+              </a:rPr>
+              <a:t>) {</a:t>
+            </a:r>
+            <a:br>
+              <a:rPr lang="en-US" sz="1400" dirty="0">
+                <a:solidFill>
+                  <a:srgbClr val="000000"/>
+                </a:solidFill>
+                <a:latin typeface="Calibri" panose="020F0502020204030204" pitchFamily="34" charset="0"/>
+                <a:ea typeface="Calibri" panose="020F0502020204030204" pitchFamily="34" charset="0"/>
+                <a:cs typeface="Arial" panose="020B0604020202020204" pitchFamily="34" charset="0"/>
+              </a:rPr>
+            </a:br>
+            <a:r>
+              <a:rPr lang="en-US" sz="1400" dirty="0">
+                <a:solidFill>
+                  <a:srgbClr val="000000"/>
+                </a:solidFill>
+                <a:latin typeface="Calibri" panose="020F0502020204030204" pitchFamily="34" charset="0"/>
+                <a:ea typeface="Calibri" panose="020F0502020204030204" pitchFamily="34" charset="0"/>
+                <a:cs typeface="Arial" panose="020B0604020202020204" pitchFamily="34" charset="0"/>
+              </a:rPr>
+              <a:t>    }</a:t>
+            </a:r>
+            <a:br>
+              <a:rPr lang="en-US" sz="1400" dirty="0">
+                <a:solidFill>
+                  <a:srgbClr val="000000"/>
+                </a:solidFill>
+                <a:latin typeface="Calibri" panose="020F0502020204030204" pitchFamily="34" charset="0"/>
+                <a:ea typeface="Calibri" panose="020F0502020204030204" pitchFamily="34" charset="0"/>
+                <a:cs typeface="Arial" panose="020B0604020202020204" pitchFamily="34" charset="0"/>
+              </a:rPr>
+            </a:br>
+            <a:br>
+              <a:rPr lang="en-US" sz="1400" dirty="0">
+                <a:solidFill>
+                  <a:srgbClr val="000000"/>
+                </a:solidFill>
+                <a:latin typeface="Calibri" panose="020F0502020204030204" pitchFamily="34" charset="0"/>
+                <a:ea typeface="Calibri" panose="020F0502020204030204" pitchFamily="34" charset="0"/>
+                <a:cs typeface="Arial" panose="020B0604020202020204" pitchFamily="34" charset="0"/>
+              </a:rPr>
+            </a:br>
+            <a:r>
+              <a:rPr lang="en-US" sz="1400" dirty="0">
+                <a:solidFill>
+                  <a:srgbClr val="000000"/>
+                </a:solidFill>
+                <a:latin typeface="Calibri" panose="020F0502020204030204" pitchFamily="34" charset="0"/>
+                <a:ea typeface="Calibri" panose="020F0502020204030204" pitchFamily="34" charset="0"/>
+                <a:cs typeface="Arial" panose="020B0604020202020204" pitchFamily="34" charset="0"/>
+              </a:rPr>
+              <a:t>    </a:t>
+            </a:r>
+            <a:r>
+              <a:rPr lang="en-US" sz="1400" dirty="0" err="1">
+                <a:solidFill>
+                  <a:srgbClr val="7A7A43"/>
+                </a:solidFill>
+                <a:latin typeface="Calibri" panose="020F0502020204030204" pitchFamily="34" charset="0"/>
+                <a:ea typeface="Calibri" panose="020F0502020204030204" pitchFamily="34" charset="0"/>
+                <a:cs typeface="Arial" panose="020B0604020202020204" pitchFamily="34" charset="0"/>
+              </a:rPr>
+              <a:t>changeSelection</a:t>
+            </a:r>
+            <a:r>
+              <a:rPr lang="en-US" sz="1400" dirty="0">
+                <a:solidFill>
+                  <a:srgbClr val="000000"/>
+                </a:solidFill>
+                <a:latin typeface="Calibri" panose="020F0502020204030204" pitchFamily="34" charset="0"/>
+                <a:ea typeface="Calibri" panose="020F0502020204030204" pitchFamily="34" charset="0"/>
+                <a:cs typeface="Arial" panose="020B0604020202020204" pitchFamily="34" charset="0"/>
+              </a:rPr>
+              <a:t>(contact, selected) {</a:t>
+            </a:r>
+            <a:br>
+              <a:rPr lang="en-US" sz="1400" dirty="0">
+                <a:solidFill>
+                  <a:srgbClr val="000000"/>
+                </a:solidFill>
+                <a:latin typeface="Calibri" panose="020F0502020204030204" pitchFamily="34" charset="0"/>
+                <a:ea typeface="Calibri" panose="020F0502020204030204" pitchFamily="34" charset="0"/>
+                <a:cs typeface="Arial" panose="020B0604020202020204" pitchFamily="34" charset="0"/>
+              </a:rPr>
+            </a:br>
+            <a:r>
+              <a:rPr lang="en-US" sz="1400" dirty="0">
+                <a:solidFill>
+                  <a:srgbClr val="000000"/>
+                </a:solidFill>
+                <a:latin typeface="Calibri" panose="020F0502020204030204" pitchFamily="34" charset="0"/>
+                <a:ea typeface="Calibri" panose="020F0502020204030204" pitchFamily="34" charset="0"/>
+                <a:cs typeface="Arial" panose="020B0604020202020204" pitchFamily="34" charset="0"/>
+              </a:rPr>
+              <a:t>        </a:t>
+            </a:r>
+            <a:r>
+              <a:rPr lang="en-US" sz="1400" b="1" dirty="0" err="1">
+                <a:solidFill>
+                  <a:srgbClr val="000080"/>
+                </a:solidFill>
+                <a:latin typeface="Calibri" panose="020F0502020204030204" pitchFamily="34" charset="0"/>
+                <a:ea typeface="Calibri" panose="020F0502020204030204" pitchFamily="34" charset="0"/>
+                <a:cs typeface="Arial" panose="020B0604020202020204" pitchFamily="34" charset="0"/>
+              </a:rPr>
+              <a:t>this</a:t>
+            </a:r>
+            <a:r>
+              <a:rPr lang="en-US" sz="1400" dirty="0" err="1">
+                <a:solidFill>
+                  <a:srgbClr val="000000"/>
+                </a:solidFill>
+                <a:latin typeface="Calibri" panose="020F0502020204030204" pitchFamily="34" charset="0"/>
+                <a:ea typeface="Calibri" panose="020F0502020204030204" pitchFamily="34" charset="0"/>
+                <a:cs typeface="Arial" panose="020B0604020202020204" pitchFamily="34" charset="0"/>
+              </a:rPr>
+              <a:t>.contactService.</a:t>
+            </a:r>
+            <a:r>
+              <a:rPr lang="en-US" sz="1400" dirty="0" err="1">
+                <a:solidFill>
+                  <a:srgbClr val="7A7A43"/>
+                </a:solidFill>
+                <a:latin typeface="Calibri" panose="020F0502020204030204" pitchFamily="34" charset="0"/>
+                <a:ea typeface="Calibri" panose="020F0502020204030204" pitchFamily="34" charset="0"/>
+                <a:cs typeface="Arial" panose="020B0604020202020204" pitchFamily="34" charset="0"/>
+              </a:rPr>
+              <a:t>changeSelection</a:t>
+            </a:r>
+            <a:r>
+              <a:rPr lang="en-US" sz="1400" dirty="0">
+                <a:solidFill>
+                  <a:srgbClr val="000000"/>
+                </a:solidFill>
+                <a:latin typeface="Calibri" panose="020F0502020204030204" pitchFamily="34" charset="0"/>
+                <a:ea typeface="Calibri" panose="020F0502020204030204" pitchFamily="34" charset="0"/>
+                <a:cs typeface="Arial" panose="020B0604020202020204" pitchFamily="34" charset="0"/>
+              </a:rPr>
+              <a:t>(contact, selected);</a:t>
+            </a:r>
+            <a:br>
+              <a:rPr lang="en-US" sz="1400" dirty="0">
+                <a:solidFill>
+                  <a:srgbClr val="000000"/>
+                </a:solidFill>
+                <a:latin typeface="Calibri" panose="020F0502020204030204" pitchFamily="34" charset="0"/>
+                <a:ea typeface="Calibri" panose="020F0502020204030204" pitchFamily="34" charset="0"/>
+                <a:cs typeface="Arial" panose="020B0604020202020204" pitchFamily="34" charset="0"/>
+              </a:rPr>
+            </a:br>
+            <a:r>
+              <a:rPr lang="en-US" sz="1400" dirty="0">
+                <a:solidFill>
+                  <a:srgbClr val="000000"/>
+                </a:solidFill>
+                <a:latin typeface="Calibri" panose="020F0502020204030204" pitchFamily="34" charset="0"/>
+                <a:ea typeface="Calibri" panose="020F0502020204030204" pitchFamily="34" charset="0"/>
+                <a:cs typeface="Arial" panose="020B0604020202020204" pitchFamily="34" charset="0"/>
+              </a:rPr>
+              <a:t>    }</a:t>
+            </a:r>
+            <a:br>
+              <a:rPr lang="en-US" sz="1400" dirty="0">
+                <a:solidFill>
+                  <a:srgbClr val="000000"/>
+                </a:solidFill>
+                <a:latin typeface="Calibri" panose="020F0502020204030204" pitchFamily="34" charset="0"/>
+                <a:ea typeface="Calibri" panose="020F0502020204030204" pitchFamily="34" charset="0"/>
+                <a:cs typeface="Arial" panose="020B0604020202020204" pitchFamily="34" charset="0"/>
+              </a:rPr>
+            </a:br>
+            <a:r>
+              <a:rPr lang="en-US" sz="1400" dirty="0">
+                <a:solidFill>
+                  <a:srgbClr val="000000"/>
+                </a:solidFill>
+                <a:latin typeface="Calibri" panose="020F0502020204030204" pitchFamily="34" charset="0"/>
+                <a:ea typeface="Calibri" panose="020F0502020204030204" pitchFamily="34" charset="0"/>
+                <a:cs typeface="Arial" panose="020B0604020202020204" pitchFamily="34" charset="0"/>
+              </a:rPr>
+              <a:t>}</a:t>
+            </a:r>
+            <a:endParaRPr lang="he-IL" sz="1400" dirty="0"/>
+          </a:p>
+        </p:txBody>
+      </p:sp>
+    </p:spTree>
+    <p:extLst>
+      <p:ext uri="{BB962C8B-B14F-4D97-AF65-F5344CB8AC3E}">
+        <p14:creationId xmlns:p14="http://schemas.microsoft.com/office/powerpoint/2010/main" val="1008400140"/>
+      </p:ext>
+    </p:extLst>
+  </p:cSld>
+  <p:clrMapOvr>
+    <a:masterClrMapping/>
+  </p:clrMapOvr>
+</p:sld>
+</file>
+
+<file path=ppt/slides/slide9.xml><?xml version="1.0" encoding="utf-8"?>
+<p:sld xmlns:a="http://schemas.openxmlformats.org/drawingml/2006/main" xmlns:r="http://schemas.openxmlformats.org/officeDocument/2006/relationships" xmlns:p="http://schemas.openxmlformats.org/presentationml/2006/main">
+  <p:cSld>
+    <p:spTree>
+      <p:nvGrpSpPr>
+        <p:cNvPr id="1" name=""/>
+        <p:cNvGrpSpPr/>
+        <p:nvPr/>
+      </p:nvGrpSpPr>
+      <p:grpSpPr>
+        <a:xfrm>
+          <a:off x="0" y="0"/>
+          <a:ext cx="0" cy="0"/>
+          <a:chOff x="0" y="0"/>
+          <a:chExt cx="0" cy="0"/>
+        </a:xfrm>
+      </p:grpSpPr>
+      <p:sp>
+        <p:nvSpPr>
+          <p:cNvPr id="2" name="Title 1"/>
+          <p:cNvSpPr>
+            <a:spLocks noGrp="1"/>
+          </p:cNvSpPr>
+          <p:nvPr>
+            <p:ph type="title"/>
+          </p:nvPr>
+        </p:nvSpPr>
+        <p:spPr/>
+        <p:txBody>
+          <a:bodyPr/>
+          <a:lstStyle/>
+          <a:p>
+            <a:r>
+              <a:rPr lang="en-US" dirty="0"/>
+              <a:t>Pros &amp; Cons</a:t>
+            </a:r>
+            <a:endParaRPr lang="he-IL" dirty="0"/>
+          </a:p>
+        </p:txBody>
+      </p:sp>
+      <p:sp>
+        <p:nvSpPr>
+          <p:cNvPr id="3" name="Footer Placeholder 2"/>
+          <p:cNvSpPr>
+            <a:spLocks noGrp="1"/>
+          </p:cNvSpPr>
+          <p:nvPr>
+            <p:ph type="ftr" sz="quarter" idx="11"/>
+          </p:nvPr>
+        </p:nvSpPr>
+        <p:spPr/>
+        <p:txBody>
+          <a:bodyPr/>
+          <a:lstStyle/>
+          <a:p>
+            <a:r>
+              <a:rPr lang="en-US"/>
+              <a:t>© 2016 Ori Calvo</a:t>
+            </a:r>
+            <a:endParaRPr lang="en-US" dirty="0"/>
+          </a:p>
+        </p:txBody>
+      </p:sp>
+      <p:sp>
+        <p:nvSpPr>
+          <p:cNvPr id="4" name="Slide Number Placeholder 3"/>
+          <p:cNvSpPr>
+            <a:spLocks noGrp="1"/>
+          </p:cNvSpPr>
+          <p:nvPr>
+            <p:ph type="sldNum" sz="quarter" idx="12"/>
+          </p:nvPr>
+        </p:nvSpPr>
+        <p:spPr/>
+        <p:txBody>
+          <a:bodyPr>
+            <a:normAutofit fontScale="85000" lnSpcReduction="20000"/>
+          </a:bodyPr>
+          <a:lstStyle/>
+          <a:p>
+            <a:fld id="{6EDEC3BC-0694-4586-AE63-02B4D54ABF43}" type="slidenum">
+              <a:rPr lang="en-US" smtClean="0"/>
+              <a:pPr/>
+              <a:t>9</a:t>
+            </a:fld>
+            <a:endParaRPr lang="en-US"/>
+          </a:p>
+        </p:txBody>
+      </p:sp>
+      <p:sp>
+        <p:nvSpPr>
+          <p:cNvPr id="5" name="Content Placeholder 4"/>
+          <p:cNvSpPr>
+            <a:spLocks noGrp="1"/>
+          </p:cNvSpPr>
+          <p:nvPr>
+            <p:ph sz="quarter" idx="1"/>
+          </p:nvPr>
+        </p:nvSpPr>
+        <p:spPr/>
+        <p:txBody>
+          <a:bodyPr/>
+          <a:lstStyle/>
+          <a:p>
+            <a:r>
+              <a:rPr lang="en-US" dirty="0"/>
+              <a:t>No need to propagate event/inputs through intermediate components</a:t>
+            </a:r>
+          </a:p>
+          <a:p>
+            <a:r>
+              <a:rPr lang="en-US" dirty="0"/>
+              <a:t>State is more accessible since it resides inside a service which can be injected everywhere</a:t>
+            </a:r>
+          </a:p>
+          <a:p>
+            <a:r>
+              <a:rPr lang="en-US" dirty="0"/>
+              <a:t>Service is singleton </a:t>
+            </a:r>
+            <a:r>
+              <a:rPr lang="en-US" dirty="0">
+                <a:sym typeface="Wingdings" panose="05000000000000000000" pitchFamily="2" charset="2"/>
+              </a:rPr>
+              <a:t> Cannot duplicate components with different state</a:t>
+            </a:r>
+          </a:p>
+          <a:p>
+            <a:pPr lvl="1"/>
+            <a:r>
+              <a:rPr lang="en-US" dirty="0">
+                <a:sym typeface="Wingdings" panose="05000000000000000000" pitchFamily="2" charset="2"/>
+              </a:rPr>
+              <a:t>Can be fixed by using Component’s provider</a:t>
+            </a:r>
+          </a:p>
+          <a:p>
+            <a:r>
+              <a:rPr lang="en-US" dirty="0">
+                <a:sym typeface="Wingdings" panose="05000000000000000000" pitchFamily="2" charset="2"/>
+              </a:rPr>
+              <a:t>Components are stateless  Can remove/recreate component and state remains</a:t>
+            </a:r>
+            <a:endParaRPr lang="he-IL" dirty="0"/>
+          </a:p>
+        </p:txBody>
+      </p:sp>
+    </p:spTree>
+    <p:extLst>
+      <p:ext uri="{BB962C8B-B14F-4D97-AF65-F5344CB8AC3E}">
+        <p14:creationId xmlns:p14="http://schemas.microsoft.com/office/powerpoint/2010/main" val="2787887534"/>
       </p:ext>
     </p:extLst>
   </p:cSld>

--- a/PPTs/07 State Management.pptx
+++ b/PPTs/07 State Management.pptx
@@ -5,7 +5,7 @@
     <p:sldMasterId id="2147483672" r:id="rId1"/>
   </p:sldMasterIdLst>
   <p:notesMasterIdLst>
-    <p:notesMasterId r:id="rId14"/>
+    <p:notesMasterId r:id="rId16"/>
   </p:notesMasterIdLst>
   <p:sldIdLst>
     <p:sldId id="256" r:id="rId2"/>
@@ -18,8 +18,10 @@
     <p:sldId id="349" r:id="rId9"/>
     <p:sldId id="350" r:id="rId10"/>
     <p:sldId id="351" r:id="rId11"/>
-    <p:sldId id="352" r:id="rId12"/>
-    <p:sldId id="341" r:id="rId13"/>
+    <p:sldId id="353" r:id="rId12"/>
+    <p:sldId id="354" r:id="rId13"/>
+    <p:sldId id="352" r:id="rId14"/>
+    <p:sldId id="341" r:id="rId15"/>
   </p:sldIdLst>
   <p:sldSz cx="9144000" cy="6858000" type="screen4x3"/>
   <p:notesSz cx="6858000" cy="9144000"/>
@@ -224,7 +226,7 @@
             <a:fld id="{4991502B-FFA8-47B9-B4E5-980CA415BAFF}" type="datetimeFigureOut">
               <a:rPr lang="en-US" smtClean="0"/>
               <a:pPr/>
-              <a:t>6/2/2017</a:t>
+              <a:t>6/6/2017</a:t>
             </a:fld>
             <a:endParaRPr lang="en-US"/>
           </a:p>
@@ -4546,7 +4548,7 @@
           <a:p>
             <a:r>
               <a:rPr lang="en-US" dirty="0"/>
-              <a:t>Optimizing Change Detection</a:t>
+              <a:t>System wide solution ?</a:t>
             </a:r>
             <a:endParaRPr lang="he-IL" dirty="0"/>
           </a:p>
@@ -4618,58 +4620,40 @@
           <a:p>
             <a:r>
               <a:rPr lang="en-US" dirty="0"/>
-              <a:t>The previous pattern offers no optimization</a:t>
+              <a:t>A component should not be aware to the scope of a change </a:t>
             </a:r>
           </a:p>
           <a:p>
             <a:r>
               <a:rPr lang="en-US" dirty="0"/>
-              <a:t>A single action can change every thing</a:t>
+              <a:t>Therefore, most component delegates the work to a single root service</a:t>
             </a:r>
           </a:p>
           <a:p>
             <a:r>
               <a:rPr lang="en-US" dirty="0"/>
-              <a:t>There is no easy way for Angular to understand the scope of a change</a:t>
+              <a:t>The root service is responsible for “spreading the news”</a:t>
             </a:r>
           </a:p>
           <a:p>
             <a:r>
               <a:rPr lang="en-US" dirty="0"/>
-              <a:t>Therefore, Angular checks every component for each user/</a:t>
-            </a:r>
-            <a:r>
-              <a:rPr lang="en-US"/>
-              <a:t>async </a:t>
-            </a:r>
+              <a:t>Can use</a:t>
+            </a:r>
+          </a:p>
+          <a:p>
+            <a:pPr lvl="1"/>
             <a:r>
               <a:rPr lang="en-US" dirty="0"/>
-              <a:t>event</a:t>
+              <a:t>Broadcasting mechanism</a:t>
             </a:r>
           </a:p>
           <a:p>
             <a:pPr lvl="1"/>
             <a:r>
               <a:rPr lang="en-US" dirty="0"/>
-              <a:t>Is it really a bad idea ?</a:t>
-            </a:r>
-          </a:p>
-          <a:p>
-            <a:pPr lvl="1"/>
-            <a:r>
-              <a:rPr lang="en-US" dirty="0"/>
-              <a:t>Agular needs only a few </a:t>
-            </a:r>
-            <a:r>
-              <a:rPr lang="en-US" dirty="0" err="1"/>
-              <a:t>millseconds</a:t>
-            </a:r>
-            <a:r>
-              <a:rPr lang="en-US" dirty="0"/>
-              <a:t> (&lt;10) to check more than 10000 bindings</a:t>
-            </a:r>
-          </a:p>
-          <a:p>
+              <a:t>Manual invocation</a:t>
+            </a:r>
             <a:endParaRPr lang="he-IL" dirty="0"/>
           </a:p>
         </p:txBody>
@@ -4677,7 +4661,7 @@
     </p:spTree>
     <p:extLst>
       <p:ext uri="{BB962C8B-B14F-4D97-AF65-F5344CB8AC3E}">
-        <p14:creationId xmlns:p14="http://schemas.microsoft.com/office/powerpoint/2010/main" val="1902808389"/>
+        <p14:creationId xmlns:p14="http://schemas.microsoft.com/office/powerpoint/2010/main" val="3867147185"/>
       </p:ext>
     </p:extLst>
   </p:cSld>
@@ -4721,7 +4705,7 @@
           <a:p>
             <a:r>
               <a:rPr lang="en-US" dirty="0"/>
-              <a:t>Summary</a:t>
+              <a:t>Unidirectional Data Flow</a:t>
             </a:r>
             <a:endParaRPr lang="he-IL" dirty="0"/>
           </a:p>
@@ -4771,6 +4755,345 @@
               <a:rPr lang="en-US" smtClean="0"/>
               <a:pPr/>
               <a:t>12</a:t>
+            </a:fld>
+            <a:endParaRPr lang="en-US"/>
+          </a:p>
+        </p:txBody>
+      </p:sp>
+      <p:sp>
+        <p:nvSpPr>
+          <p:cNvPr id="5" name="Content Placeholder 4"/>
+          <p:cNvSpPr>
+            <a:spLocks noGrp="1"/>
+          </p:cNvSpPr>
+          <p:nvPr>
+            <p:ph sz="quarter" idx="1"/>
+          </p:nvPr>
+        </p:nvSpPr>
+        <p:spPr/>
+        <p:txBody>
+          <a:bodyPr/>
+          <a:lstStyle/>
+          <a:p>
+            <a:r>
+              <a:rPr lang="en-US" dirty="0"/>
+              <a:t>State resides inside services</a:t>
+            </a:r>
+          </a:p>
+          <a:p>
+            <a:r>
+              <a:rPr lang="en-US" dirty="0"/>
+              <a:t>Each service may use other service to handle part of the change</a:t>
+            </a:r>
+          </a:p>
+          <a:p>
+            <a:r>
+              <a:rPr lang="en-US" dirty="0"/>
+              <a:t>It is important to control the change flow</a:t>
+            </a:r>
+          </a:p>
+          <a:p>
+            <a:pPr lvl="1"/>
+            <a:r>
+              <a:rPr lang="en-US" dirty="0"/>
+              <a:t>We don’t want cycles</a:t>
+            </a:r>
+          </a:p>
+          <a:p>
+            <a:r>
+              <a:rPr lang="en-US" dirty="0"/>
+              <a:t>We can arrange services inside tree and prohibit access between</a:t>
+            </a:r>
+          </a:p>
+          <a:p>
+            <a:pPr lvl="1"/>
+            <a:r>
+              <a:rPr lang="en-US" dirty="0"/>
+              <a:t>Sibling services</a:t>
+            </a:r>
+          </a:p>
+          <a:p>
+            <a:pPr lvl="1"/>
+            <a:r>
+              <a:rPr lang="en-US" dirty="0"/>
+              <a:t>Child to parent</a:t>
+            </a:r>
+            <a:endParaRPr lang="he-IL" dirty="0"/>
+          </a:p>
+        </p:txBody>
+      </p:sp>
+    </p:spTree>
+    <p:extLst>
+      <p:ext uri="{BB962C8B-B14F-4D97-AF65-F5344CB8AC3E}">
+        <p14:creationId xmlns:p14="http://schemas.microsoft.com/office/powerpoint/2010/main" val="3068493758"/>
+      </p:ext>
+    </p:extLst>
+  </p:cSld>
+  <p:clrMapOvr>
+    <a:masterClrMapping/>
+  </p:clrMapOvr>
+</p:sld>
+</file>
+
+<file path=ppt/slides/slide13.xml><?xml version="1.0" encoding="utf-8"?>
+<p:sld xmlns:a="http://schemas.openxmlformats.org/drawingml/2006/main" xmlns:r="http://schemas.openxmlformats.org/officeDocument/2006/relationships" xmlns:p="http://schemas.openxmlformats.org/presentationml/2006/main">
+  <p:cSld>
+    <p:spTree>
+      <p:nvGrpSpPr>
+        <p:cNvPr id="1" name=""/>
+        <p:cNvGrpSpPr/>
+        <p:nvPr/>
+      </p:nvGrpSpPr>
+      <p:grpSpPr>
+        <a:xfrm>
+          <a:off x="0" y="0"/>
+          <a:ext cx="0" cy="0"/>
+          <a:chOff x="0" y="0"/>
+          <a:chExt cx="0" cy="0"/>
+        </a:xfrm>
+      </p:grpSpPr>
+      <p:sp>
+        <p:nvSpPr>
+          <p:cNvPr id="2" name="Title 1"/>
+          <p:cNvSpPr>
+            <a:spLocks noGrp="1"/>
+          </p:cNvSpPr>
+          <p:nvPr>
+            <p:ph type="title"/>
+          </p:nvPr>
+        </p:nvSpPr>
+        <p:spPr/>
+        <p:txBody>
+          <a:bodyPr/>
+          <a:lstStyle/>
+          <a:p>
+            <a:r>
+              <a:rPr lang="en-US" dirty="0"/>
+              <a:t>Optimizing Change Detection</a:t>
+            </a:r>
+            <a:endParaRPr lang="he-IL" dirty="0"/>
+          </a:p>
+        </p:txBody>
+      </p:sp>
+      <p:sp>
+        <p:nvSpPr>
+          <p:cNvPr id="3" name="Footer Placeholder 2"/>
+          <p:cNvSpPr>
+            <a:spLocks noGrp="1"/>
+          </p:cNvSpPr>
+          <p:nvPr>
+            <p:ph type="ftr" sz="quarter" idx="11"/>
+          </p:nvPr>
+        </p:nvSpPr>
+        <p:spPr/>
+        <p:txBody>
+          <a:bodyPr/>
+          <a:lstStyle/>
+          <a:p>
+            <a:r>
+              <a:rPr lang="en-US"/>
+              <a:t>© 2016 Ori Calvo</a:t>
+            </a:r>
+            <a:endParaRPr lang="en-US" dirty="0"/>
+          </a:p>
+        </p:txBody>
+      </p:sp>
+      <p:sp>
+        <p:nvSpPr>
+          <p:cNvPr id="4" name="Slide Number Placeholder 3"/>
+          <p:cNvSpPr>
+            <a:spLocks noGrp="1"/>
+          </p:cNvSpPr>
+          <p:nvPr>
+            <p:ph type="sldNum" sz="quarter" idx="12"/>
+          </p:nvPr>
+        </p:nvSpPr>
+        <p:spPr/>
+        <p:txBody>
+          <a:bodyPr>
+            <a:normAutofit fontScale="85000" lnSpcReduction="20000"/>
+          </a:bodyPr>
+          <a:lstStyle/>
+          <a:p>
+            <a:fld id="{6EDEC3BC-0694-4586-AE63-02B4D54ABF43}" type="slidenum">
+              <a:rPr lang="en-US" smtClean="0"/>
+              <a:pPr/>
+              <a:t>13</a:t>
+            </a:fld>
+            <a:endParaRPr lang="en-US"/>
+          </a:p>
+        </p:txBody>
+      </p:sp>
+      <p:sp>
+        <p:nvSpPr>
+          <p:cNvPr id="5" name="Content Placeholder 4"/>
+          <p:cNvSpPr>
+            <a:spLocks noGrp="1"/>
+          </p:cNvSpPr>
+          <p:nvPr>
+            <p:ph sz="quarter" idx="1"/>
+          </p:nvPr>
+        </p:nvSpPr>
+        <p:spPr/>
+        <p:txBody>
+          <a:bodyPr/>
+          <a:lstStyle/>
+          <a:p>
+            <a:r>
+              <a:rPr lang="en-US" dirty="0"/>
+              <a:t>The previous pattern offers no optimization</a:t>
+            </a:r>
+          </a:p>
+          <a:p>
+            <a:r>
+              <a:rPr lang="en-US" dirty="0"/>
+              <a:t>A single action can change every thing</a:t>
+            </a:r>
+          </a:p>
+          <a:p>
+            <a:r>
+              <a:rPr lang="en-US" dirty="0"/>
+              <a:t>There is no easy way for Angular to understand the scope of a change</a:t>
+            </a:r>
+          </a:p>
+          <a:p>
+            <a:r>
+              <a:rPr lang="en-US" dirty="0"/>
+              <a:t>Therefore, Angular checks every component for each user/</a:t>
+            </a:r>
+            <a:r>
+              <a:rPr lang="en-US"/>
+              <a:t>async </a:t>
+            </a:r>
+            <a:r>
+              <a:rPr lang="en-US" dirty="0"/>
+              <a:t>event</a:t>
+            </a:r>
+          </a:p>
+          <a:p>
+            <a:pPr lvl="1"/>
+            <a:r>
+              <a:rPr lang="en-US" dirty="0"/>
+              <a:t>Is it really a bad idea ?</a:t>
+            </a:r>
+          </a:p>
+          <a:p>
+            <a:pPr lvl="1"/>
+            <a:r>
+              <a:rPr lang="en-US" dirty="0"/>
+              <a:t>Agular needs only a few </a:t>
+            </a:r>
+            <a:r>
+              <a:rPr lang="en-US" dirty="0" err="1"/>
+              <a:t>millseconds</a:t>
+            </a:r>
+            <a:r>
+              <a:rPr lang="en-US" dirty="0"/>
+              <a:t> (&lt;10) to check more than 10000 bindings</a:t>
+            </a:r>
+          </a:p>
+          <a:p>
+            <a:endParaRPr lang="he-IL" dirty="0"/>
+          </a:p>
+        </p:txBody>
+      </p:sp>
+    </p:spTree>
+    <p:extLst>
+      <p:ext uri="{BB962C8B-B14F-4D97-AF65-F5344CB8AC3E}">
+        <p14:creationId xmlns:p14="http://schemas.microsoft.com/office/powerpoint/2010/main" val="1902808389"/>
+      </p:ext>
+    </p:extLst>
+  </p:cSld>
+  <p:clrMapOvr>
+    <a:masterClrMapping/>
+  </p:clrMapOvr>
+</p:sld>
+</file>
+
+<file path=ppt/slides/slide14.xml><?xml version="1.0" encoding="utf-8"?>
+<p:sld xmlns:a="http://schemas.openxmlformats.org/drawingml/2006/main" xmlns:r="http://schemas.openxmlformats.org/officeDocument/2006/relationships" xmlns:p="http://schemas.openxmlformats.org/presentationml/2006/main">
+  <p:cSld>
+    <p:spTree>
+      <p:nvGrpSpPr>
+        <p:cNvPr id="1" name=""/>
+        <p:cNvGrpSpPr/>
+        <p:nvPr/>
+      </p:nvGrpSpPr>
+      <p:grpSpPr>
+        <a:xfrm>
+          <a:off x="0" y="0"/>
+          <a:ext cx="0" cy="0"/>
+          <a:chOff x="0" y="0"/>
+          <a:chExt cx="0" cy="0"/>
+        </a:xfrm>
+      </p:grpSpPr>
+      <p:sp>
+        <p:nvSpPr>
+          <p:cNvPr id="2" name="Title 1"/>
+          <p:cNvSpPr>
+            <a:spLocks noGrp="1"/>
+          </p:cNvSpPr>
+          <p:nvPr>
+            <p:ph type="title"/>
+          </p:nvPr>
+        </p:nvSpPr>
+        <p:spPr/>
+        <p:txBody>
+          <a:bodyPr/>
+          <a:lstStyle/>
+          <a:p>
+            <a:r>
+              <a:rPr lang="en-US" dirty="0"/>
+              <a:t>Summary</a:t>
+            </a:r>
+            <a:endParaRPr lang="he-IL" dirty="0"/>
+          </a:p>
+        </p:txBody>
+      </p:sp>
+      <p:sp>
+        <p:nvSpPr>
+          <p:cNvPr id="3" name="Footer Placeholder 2"/>
+          <p:cNvSpPr>
+            <a:spLocks noGrp="1"/>
+          </p:cNvSpPr>
+          <p:nvPr>
+            <p:ph type="ftr" sz="quarter" idx="11"/>
+          </p:nvPr>
+        </p:nvSpPr>
+        <p:spPr/>
+        <p:txBody>
+          <a:bodyPr/>
+          <a:lstStyle/>
+          <a:p>
+            <a:r>
+              <a:rPr lang="en-US"/>
+              <a:t>© 2016 Ori Calvo</a:t>
+            </a:r>
+            <a:endParaRPr lang="en-US" dirty="0"/>
+          </a:p>
+        </p:txBody>
+      </p:sp>
+      <p:sp>
+        <p:nvSpPr>
+          <p:cNvPr id="4" name="Slide Number Placeholder 3"/>
+          <p:cNvSpPr>
+            <a:spLocks noGrp="1"/>
+          </p:cNvSpPr>
+          <p:nvPr>
+            <p:ph type="sldNum" sz="quarter" idx="12"/>
+          </p:nvPr>
+        </p:nvSpPr>
+        <p:spPr/>
+        <p:txBody>
+          <a:bodyPr>
+            <a:normAutofit fontScale="85000" lnSpcReduction="20000"/>
+          </a:bodyPr>
+          <a:lstStyle/>
+          <a:p>
+            <a:fld id="{6EDEC3BC-0694-4586-AE63-02B4D54ABF43}" type="slidenum">
+              <a:rPr lang="en-US" smtClean="0"/>
+              <a:pPr/>
+              <a:t>14</a:t>
             </a:fld>
             <a:endParaRPr lang="en-US"/>
           </a:p>
@@ -4940,7 +5263,7 @@
           <a:p>
             <a:r>
               <a:rPr lang="en-US" dirty="0"/>
-              <a:t>State is atomic</a:t>
+              <a:t>State modification is atomic</a:t>
             </a:r>
           </a:p>
           <a:p>
@@ -4952,19 +5275,13 @@
           <a:p>
             <a:r>
               <a:rPr lang="en-US" dirty="0"/>
-              <a:t>Components react to change</a:t>
+              <a:t>Components should be unaware to the source of a change</a:t>
             </a:r>
           </a:p>
           <a:p>
             <a:r>
               <a:rPr lang="en-US" dirty="0"/>
-              <a:t>Restore state from server</a:t>
-            </a:r>
-          </a:p>
-          <a:p>
-            <a:r>
-              <a:rPr lang="en-US" dirty="0"/>
-              <a:t>Restore state from local storage</a:t>
+              <a:t>Restore state from server/client</a:t>
             </a:r>
           </a:p>
         </p:txBody>
@@ -6484,13 +6801,13 @@
           <a:p>
             <a:r>
               <a:rPr lang="en-US" dirty="0"/>
-              <a:t>Need to manually “bubble up” the selection event</a:t>
+              <a:t>Intermediate components must support inputs that are reflection of deep components state</a:t>
             </a:r>
           </a:p>
           <a:p>
             <a:r>
               <a:rPr lang="en-US" dirty="0"/>
-              <a:t>Intermediate components must support inputs that are reflection of deep components state</a:t>
+              <a:t>Intermediate components need to “bubble up” events</a:t>
             </a:r>
           </a:p>
         </p:txBody>
@@ -6626,13 +6943,20 @@
           <a:p>
             <a:r>
               <a:rPr lang="en-US" dirty="0"/>
-              <a:t>The service holds the whole state</a:t>
+              <a:t>The service holds the whole state for all components</a:t>
             </a:r>
           </a:p>
           <a:p>
             <a:r>
               <a:rPr lang="en-US" dirty="0"/>
               <a:t>Each component is bound to the state directly</a:t>
+            </a:r>
+          </a:p>
+          <a:p>
+            <a:pPr lvl="1"/>
+            <a:r>
+              <a:rPr lang="en-US" dirty="0"/>
+              <a:t>By holding a reference</a:t>
             </a:r>
           </a:p>
           <a:p>
@@ -8325,7 +8649,9 @@
         </p:nvSpPr>
         <p:spPr/>
         <p:txBody>
-          <a:bodyPr/>
+          <a:bodyPr>
+            <a:normAutofit lnSpcReduction="10000"/>
+          </a:bodyPr>
           <a:lstStyle/>
           <a:p>
             <a:r>
@@ -8366,6 +8692,15 @@
                 <a:sym typeface="Wingdings" panose="05000000000000000000" pitchFamily="2" charset="2"/>
               </a:rPr>
               <a:t>Components are stateless  Can remove/recreate component and state remains</a:t>
+            </a:r>
+          </a:p>
+          <a:p>
+            <a:pPr lvl="1"/>
+            <a:r>
+              <a:rPr lang="en-US" dirty="0">
+                <a:sym typeface="Wingdings" panose="05000000000000000000" pitchFamily="2" charset="2"/>
+              </a:rPr>
+              <a:t>Router scenario</a:t>
             </a:r>
             <a:endParaRPr lang="he-IL" dirty="0"/>
           </a:p>

--- a/PPTs/07 State Management.pptx
+++ b/PPTs/07 State Management.pptx
@@ -242,7 +242,7 @@
             <a:fld id="{4991502B-FFA8-47B9-B4E5-980CA415BAFF}" type="datetimeFigureOut">
               <a:rPr lang="en-US" smtClean="0"/>
               <a:pPr/>
-              <a:t>6/6/2017</a:t>
+              <a:t>6/11/2017</a:t>
             </a:fld>
             <a:endParaRPr lang="en-US"/>
           </a:p>
@@ -923,7 +923,7 @@
           <a:p>
             <a:r>
               <a:rPr lang="en-US"/>
-              <a:t>© 2016 Ori Calvo</a:t>
+              <a:t>© 2017 Ori Calvo</a:t>
             </a:r>
           </a:p>
         </p:txBody>
@@ -1101,7 +1101,7 @@
           <a:p>
             <a:r>
               <a:rPr lang="en-US"/>
-              <a:t>© 2016 Ori Calvo</a:t>
+              <a:t>© 2017 Ori Calvo</a:t>
             </a:r>
           </a:p>
         </p:txBody>
@@ -1291,7 +1291,7 @@
           <a:p>
             <a:r>
               <a:rPr lang="en-US"/>
-              <a:t>© 2016 Ori Calvo</a:t>
+              <a:t>© 2017 Ori Calvo</a:t>
             </a:r>
           </a:p>
         </p:txBody>
@@ -1539,7 +1539,7 @@
           <a:p>
             <a:r>
               <a:rPr lang="en-US"/>
-              <a:t>© 2016 Ori Calvo</a:t>
+              <a:t>© 2017 Ori Calvo</a:t>
             </a:r>
             <a:endParaRPr lang="en-US" dirty="0"/>
           </a:p>
@@ -2121,7 +2121,7 @@
           <a:p>
             <a:r>
               <a:rPr lang="en-US"/>
-              <a:t>© 2016 Ori Calvo</a:t>
+              <a:t>© 2017 Ori Calvo</a:t>
             </a:r>
           </a:p>
         </p:txBody>
@@ -2348,7 +2348,7 @@
           <a:p>
             <a:r>
               <a:rPr lang="en-US"/>
-              <a:t>© 2016 Ori Calvo</a:t>
+              <a:t>© 2017 Ori Calvo</a:t>
             </a:r>
           </a:p>
         </p:txBody>
@@ -2584,7 +2584,7 @@
           <a:p>
             <a:r>
               <a:rPr lang="en-US"/>
-              <a:t>© 2016 Ori Calvo</a:t>
+              <a:t>© 2017 Ori Calvo</a:t>
             </a:r>
           </a:p>
         </p:txBody>
@@ -2755,7 +2755,7 @@
           <a:p>
             <a:r>
               <a:rPr lang="en-US"/>
-              <a:t>© 2016 Ori Calvo</a:t>
+              <a:t>© 2017 Ori Calvo</a:t>
             </a:r>
           </a:p>
         </p:txBody>
@@ -2853,7 +2853,7 @@
           <a:p>
             <a:r>
               <a:rPr lang="en-US"/>
-              <a:t>© 2016 Ori Calvo</a:t>
+              <a:t>© 2017 Ori Calvo</a:t>
             </a:r>
           </a:p>
         </p:txBody>
@@ -2989,7 +2989,7 @@
           <a:p>
             <a:r>
               <a:rPr lang="en-US"/>
-              <a:t>© 2016 Ori Calvo</a:t>
+              <a:t>© 2017 Ori Calvo</a:t>
             </a:r>
           </a:p>
         </p:txBody>
@@ -3545,7 +3545,7 @@
           <a:p>
             <a:r>
               <a:rPr lang="en-US"/>
-              <a:t>© 2016 Ori Calvo</a:t>
+              <a:t>© 2017 Ori Calvo</a:t>
             </a:r>
           </a:p>
         </p:txBody>
@@ -3784,7 +3784,7 @@
           <a:p>
             <a:r>
               <a:rPr lang="en-US"/>
-              <a:t>© 2016 Ori Calvo</a:t>
+              <a:t>© 2017 Ori Calvo</a:t>
             </a:r>
             <a:endParaRPr lang="en-US" dirty="0"/>
           </a:p>
@@ -4428,7 +4428,7 @@
           <a:p>
             <a:r>
               <a:rPr lang="en-US"/>
-              <a:t>© 2016 Ori Calvo</a:t>
+              <a:t>© 2017 Ori Calvo</a:t>
             </a:r>
             <a:endParaRPr lang="en-US" dirty="0"/>
           </a:p>
@@ -4599,7 +4599,7 @@
           <a:p>
             <a:r>
               <a:rPr lang="en-US"/>
-              <a:t>© 2016 Ori Calvo</a:t>
+              <a:t>© 2017 Ori Calvo</a:t>
             </a:r>
             <a:endParaRPr lang="en-US" dirty="0"/>
           </a:p>
@@ -4758,7 +4758,7 @@
           <a:p>
             <a:r>
               <a:rPr lang="en-US"/>
-              <a:t>© 2016 Ori Calvo</a:t>
+              <a:t>© 2017 Ori Calvo</a:t>
             </a:r>
             <a:endParaRPr lang="en-US" dirty="0"/>
           </a:p>
@@ -4915,7 +4915,7 @@
           <a:p>
             <a:r>
               <a:rPr lang="en-US"/>
-              <a:t>© 2016 Ori Calvo</a:t>
+              <a:t>© 2017 Ori Calvo</a:t>
             </a:r>
             <a:endParaRPr lang="en-US" dirty="0"/>
           </a:p>
@@ -5079,7 +5079,7 @@
           <a:p>
             <a:r>
               <a:rPr lang="en-US"/>
-              <a:t>© 2016 Ori Calvo</a:t>
+              <a:t>© 2017 Ori Calvo</a:t>
             </a:r>
             <a:endParaRPr lang="en-US" dirty="0"/>
           </a:p>
@@ -5257,7 +5257,7 @@
           <a:p>
             <a:r>
               <a:rPr lang="en-US"/>
-              <a:t>© 2016 Ori Calvo</a:t>
+              <a:t>© 2017 Ori Calvo</a:t>
             </a:r>
             <a:endParaRPr lang="en-US" dirty="0"/>
           </a:p>
@@ -6561,7 +6561,7 @@
           <a:p>
             <a:r>
               <a:rPr lang="en-US"/>
-              <a:t>© 2016 Ori Calvo</a:t>
+              <a:t>© 2017 Ori Calvo</a:t>
             </a:r>
             <a:endParaRPr lang="en-US" dirty="0"/>
           </a:p>
@@ -6724,7 +6724,7 @@
           <a:p>
             <a:r>
               <a:rPr lang="en-US"/>
-              <a:t>© 2016 Ori Calvo</a:t>
+              <a:t>© 2017 Ori Calvo</a:t>
             </a:r>
             <a:endParaRPr lang="en-US" dirty="0"/>
           </a:p>
@@ -7947,7 +7947,7 @@
           <a:p>
             <a:r>
               <a:rPr lang="en-US"/>
-              <a:t>© 2016 Ori Calvo</a:t>
+              <a:t>© 2017 Ori Calvo</a:t>
             </a:r>
             <a:endParaRPr lang="en-US" dirty="0"/>
           </a:p>
@@ -9229,7 +9229,7 @@
           <a:p>
             <a:r>
               <a:rPr lang="en-US"/>
-              <a:t>© 2016 Ori Calvo</a:t>
+              <a:t>© 2017 Ori Calvo</a:t>
             </a:r>
             <a:endParaRPr lang="en-US" dirty="0"/>
           </a:p>
@@ -9404,7 +9404,7 @@
           <a:p>
             <a:r>
               <a:rPr lang="en-US"/>
-              <a:t>© 2016 Ori Calvo</a:t>
+              <a:t>© 2017 Ori Calvo</a:t>
             </a:r>
             <a:endParaRPr lang="en-US" dirty="0"/>
           </a:p>
@@ -9579,7 +9579,7 @@
           <a:p>
             <a:r>
               <a:rPr lang="en-US"/>
-              <a:t>© 2016 Ori Calvo</a:t>
+              <a:t>© 2017 Ori Calvo</a:t>
             </a:r>
             <a:endParaRPr lang="en-US" dirty="0"/>
           </a:p>
@@ -9733,7 +9733,7 @@
           <a:p>
             <a:r>
               <a:rPr lang="en-US"/>
-              <a:t>© 2016 Ori Calvo</a:t>
+              <a:t>© 2017 Ori Calvo</a:t>
             </a:r>
             <a:endParaRPr lang="en-US" dirty="0"/>
           </a:p>
@@ -9782,13 +9782,13 @@
           <a:p>
             <a:r>
               <a:rPr lang="en-US" dirty="0"/>
-              <a:t>Both Angular &amp; React offer ways to optimize change detection</a:t>
-            </a:r>
-          </a:p>
-          <a:p>
-            <a:r>
-              <a:rPr lang="en-US" dirty="0"/>
-              <a:t>Both assume that data does not change inline</a:t>
+              <a:t>Angular offer some ways to optimize change detection</a:t>
+            </a:r>
+          </a:p>
+          <a:p>
+            <a:r>
+              <a:rPr lang="en-US" dirty="0"/>
+              <a:t>It assumes that data does not change inline</a:t>
             </a:r>
           </a:p>
           <a:p>
@@ -9878,7 +9878,7 @@
           <a:p>
             <a:r>
               <a:rPr lang="en-US"/>
-              <a:t>© 2016 Ori Calvo</a:t>
+              <a:t>© 2017 Ori Calvo</a:t>
             </a:r>
             <a:endParaRPr lang="en-US" dirty="0"/>
           </a:p>
@@ -10031,7 +10031,7 @@
           <a:p>
             <a:r>
               <a:rPr lang="en-US"/>
-              <a:t>© 2016 Ori Calvo</a:t>
+              <a:t>© 2017 Ori Calvo</a:t>
             </a:r>
             <a:endParaRPr lang="en-US" dirty="0"/>
           </a:p>
@@ -10916,7 +10916,7 @@
           <a:p>
             <a:r>
               <a:rPr lang="en-US"/>
-              <a:t>© 2016 Ori Calvo</a:t>
+              <a:t>© 2017 Ori Calvo</a:t>
             </a:r>
             <a:endParaRPr lang="en-US" dirty="0"/>
           </a:p>
@@ -11103,7 +11103,7 @@
           <a:p>
             <a:r>
               <a:rPr lang="en-US"/>
-              <a:t>© 2016 Ori Calvo</a:t>
+              <a:t>© 2017 Ori Calvo</a:t>
             </a:r>
             <a:endParaRPr lang="en-US" dirty="0"/>
           </a:p>
@@ -11261,7 +11261,7 @@
           <a:p>
             <a:r>
               <a:rPr lang="en-US"/>
-              <a:t>© 2016 Ori Calvo</a:t>
+              <a:t>© 2017 Ori Calvo</a:t>
             </a:r>
             <a:endParaRPr lang="en-US" dirty="0"/>
           </a:p>
@@ -11410,7 +11410,7 @@
           <a:p>
             <a:r>
               <a:rPr lang="en-US"/>
-              <a:t>© 2016 Ori Calvo</a:t>
+              <a:t>© 2017 Ori Calvo</a:t>
             </a:r>
             <a:endParaRPr lang="en-US" dirty="0"/>
           </a:p>
@@ -11604,7 +11604,7 @@
           <a:p>
             <a:r>
               <a:rPr lang="en-US"/>
-              <a:t>© 2016 Ori Calvo</a:t>
+              <a:t>© 2017 Ori Calvo</a:t>
             </a:r>
             <a:endParaRPr lang="en-US" dirty="0"/>
           </a:p>
@@ -11769,7 +11769,7 @@
           <a:p>
             <a:r>
               <a:rPr lang="en-US"/>
-              <a:t>© 2016 Ori Calvo</a:t>
+              <a:t>© 2017 Ori Calvo</a:t>
             </a:r>
             <a:endParaRPr lang="en-US" dirty="0"/>
           </a:p>
@@ -11941,7 +11941,7 @@
           <a:p>
             <a:r>
               <a:rPr lang="en-US"/>
-              <a:t>© 2016 Ori Calvo</a:t>
+              <a:t>© 2017 Ori Calvo</a:t>
             </a:r>
             <a:endParaRPr lang="en-US" dirty="0"/>
           </a:p>
@@ -12022,7 +12022,7 @@
           <a:p>
             <a:r>
               <a:rPr lang="en-US" dirty="0"/>
-              <a:t>State is valid even in the case of error</a:t>
+              <a:t>State is valid even in the case of an error</a:t>
             </a:r>
           </a:p>
           <a:p>
@@ -12109,7 +12109,7 @@
           <a:p>
             <a:r>
               <a:rPr lang="en-US"/>
-              <a:t>© 2016 Ori Calvo</a:t>
+              <a:t>© 2017 Ori Calvo</a:t>
             </a:r>
             <a:endParaRPr lang="en-US" dirty="0"/>
           </a:p>
@@ -12272,7 +12272,7 @@
           <a:p>
             <a:r>
               <a:rPr lang="en-US"/>
-              <a:t>© 2016 Ori Calvo</a:t>
+              <a:t>© 2017 Ori Calvo</a:t>
             </a:r>
             <a:endParaRPr lang="en-US" dirty="0"/>
           </a:p>
@@ -12452,7 +12452,7 @@
           <a:p>
             <a:r>
               <a:rPr lang="en-US"/>
-              <a:t>© 2016 Ori Calvo</a:t>
+              <a:t>© 2017 Ori Calvo</a:t>
             </a:r>
             <a:endParaRPr lang="en-US" dirty="0"/>
           </a:p>
@@ -12589,7 +12589,7 @@
           <a:p>
             <a:r>
               <a:rPr lang="en-US"/>
-              <a:t>© 2016 Ori Calvo</a:t>
+              <a:t>© 2017 Ori Calvo</a:t>
             </a:r>
             <a:endParaRPr lang="en-US" dirty="0"/>
           </a:p>
@@ -13656,7 +13656,7 @@
           <a:p>
             <a:r>
               <a:rPr lang="en-US"/>
-              <a:t>© 2016 Ori Calvo</a:t>
+              <a:t>© 2017 Ori Calvo</a:t>
             </a:r>
             <a:endParaRPr lang="en-US" dirty="0"/>
           </a:p>
@@ -13798,7 +13798,7 @@
           <a:p>
             <a:r>
               <a:rPr lang="en-US"/>
-              <a:t>© 2016 Ori Calvo</a:t>
+              <a:t>© 2017 Ori Calvo</a:t>
             </a:r>
             <a:endParaRPr lang="en-US" dirty="0"/>
           </a:p>
@@ -13962,7 +13962,7 @@
           <a:p>
             <a:r>
               <a:rPr lang="en-US"/>
-              <a:t>© 2016 Ori Calvo</a:t>
+              <a:t>© 2017 Ori Calvo</a:t>
             </a:r>
             <a:endParaRPr lang="en-US" dirty="0"/>
           </a:p>
